--- a/Members/Eric/Brain-Storming.pptx
+++ b/Members/Eric/Brain-Storming.pptx
@@ -2,10 +2,14 @@
 <file path=ppt/presentation.xml><?xml version="1.0" encoding="utf-8"?>
 <p:presentation xmlns:a="http://schemas.openxmlformats.org/drawingml/2006/main" xmlns:r="http://schemas.openxmlformats.org/officeDocument/2006/relationships" xmlns:p="http://schemas.openxmlformats.org/presentationml/2006/main" saveSubsetFonts="1" autoCompressPictures="0">
   <p:sldMasterIdLst>
-    <p:sldMasterId id="2147483648" r:id="rId1"/>
+    <p:sldMasterId id="2147483902" r:id="rId1"/>
   </p:sldMasterIdLst>
   <p:sldIdLst>
     <p:sldId id="256" r:id="rId2"/>
+    <p:sldId id="258" r:id="rId3"/>
+    <p:sldId id="257" r:id="rId4"/>
+    <p:sldId id="259" r:id="rId5"/>
+    <p:sldId id="260" r:id="rId6"/>
   </p:sldIdLst>
   <p:sldSz cx="9144000" cy="6858000" type="screen4x3"/>
   <p:notesSz cx="6858000" cy="9144000"/>
@@ -126,6 +130,67 @@
       </p:grpSpPr>
       <p:sp>
         <p:nvSpPr>
+          <p:cNvPr id="7" name="Rectangle 6"/>
+          <p:cNvSpPr/>
+          <p:nvPr/>
+        </p:nvSpPr>
+        <p:spPr>
+          <a:xfrm>
+            <a:off x="1328166" y="1295400"/>
+            <a:ext cx="6487668" cy="3152887"/>
+          </a:xfrm>
+          <a:prstGeom prst="rect">
+            <a:avLst/>
+          </a:prstGeom>
+          <a:ln w="3175">
+            <a:solidFill>
+              <a:schemeClr val="bg1"/>
+            </a:solidFill>
+          </a:ln>
+          <a:effectLst>
+            <a:outerShdw blurRad="63500" sx="100500" sy="100500" algn="ctr" rotWithShape="0">
+              <a:prstClr val="black">
+                <a:alpha val="50000"/>
+              </a:prstClr>
+            </a:outerShdw>
+          </a:effectLst>
+        </p:spPr>
+        <p:txBody>
+          <a:bodyPr vert="horz" lIns="91440" tIns="45720" rIns="91440" bIns="45720" rtlCol="0">
+            <a:normAutofit/>
+          </a:bodyPr>
+          <a:lstStyle/>
+          <a:p>
+            <a:pPr marL="0" indent="0" algn="l" defTabSz="914400" rtl="0" eaLnBrk="1" latinLnBrk="0" hangingPunct="1">
+              <a:spcBef>
+                <a:spcPts val="2000"/>
+              </a:spcBef>
+              <a:buClr>
+                <a:schemeClr val="accent1">
+                  <a:lumMod val="60000"/>
+                  <a:lumOff val="40000"/>
+                </a:schemeClr>
+              </a:buClr>
+              <a:buSzPct val="110000"/>
+              <a:buFont typeface="Wingdings 2" pitchFamily="18" charset="2"/>
+              <a:buNone/>
+            </a:pPr>
+            <a:endParaRPr sz="3200" kern="1200">
+              <a:solidFill>
+                <a:schemeClr val="tx1">
+                  <a:lumMod val="65000"/>
+                  <a:lumOff val="35000"/>
+                </a:schemeClr>
+              </a:solidFill>
+              <a:latin typeface="+mn-lt"/>
+              <a:ea typeface="+mn-ea"/>
+              <a:cs typeface="+mn-cs"/>
+            </a:endParaRPr>
+          </a:p>
+        </p:txBody>
+      </p:sp>
+      <p:sp>
+        <p:nvSpPr>
           <p:cNvPr id="2" name="Title 1"/>
           <p:cNvSpPr>
             <a:spLocks noGrp="1"/>
@@ -136,19 +201,44 @@
         </p:nvSpPr>
         <p:spPr>
           <a:xfrm>
-            <a:off x="685800" y="2130425"/>
-            <a:ext cx="7772400" cy="1470025"/>
-          </a:xfrm>
-        </p:spPr>
-        <p:txBody>
-          <a:bodyPr/>
-          <a:lstStyle/>
+            <a:off x="1322921" y="1523999"/>
+            <a:ext cx="6498158" cy="1724867"/>
+          </a:xfrm>
+        </p:spPr>
+        <p:txBody>
+          <a:bodyPr vert="horz" lIns="91440" tIns="45720" rIns="91440" bIns="45720" rtlCol="0" anchor="b" anchorCtr="0">
+            <a:noAutofit/>
+          </a:bodyPr>
+          <a:lstStyle>
+            <a:lvl1pPr marL="0" indent="0" algn="ctr" defTabSz="914400" rtl="0" eaLnBrk="1" latinLnBrk="0" hangingPunct="1">
+              <a:spcBef>
+                <a:spcPct val="0"/>
+              </a:spcBef>
+              <a:buClr>
+                <a:schemeClr val="accent1">
+                  <a:lumMod val="60000"/>
+                  <a:lumOff val="40000"/>
+                </a:schemeClr>
+              </a:buClr>
+              <a:buSzPct val="110000"/>
+              <a:buFont typeface="Wingdings 2" pitchFamily="18" charset="2"/>
+              <a:buNone/>
+              <a:defRPr sz="4600" kern="1200">
+                <a:solidFill>
+                  <a:schemeClr val="accent1"/>
+                </a:solidFill>
+                <a:latin typeface="+mj-lt"/>
+                <a:ea typeface="+mj-ea"/>
+                <a:cs typeface="+mj-cs"/>
+              </a:defRPr>
+            </a:lvl1pPr>
+          </a:lstStyle>
           <a:p>
             <a:r>
               <a:rPr lang="en-US" altLang="zh-CN" smtClean="0"/>
               <a:t>Click to edit Master title style</a:t>
             </a:r>
-            <a:endParaRPr lang="en-US"/>
+            <a:endParaRPr/>
           </a:p>
         </p:txBody>
       </p:sp>
@@ -164,21 +254,37 @@
         </p:nvSpPr>
         <p:spPr>
           <a:xfrm>
-            <a:off x="1371600" y="3886200"/>
-            <a:ext cx="6400800" cy="1752600"/>
-          </a:xfrm>
-        </p:spPr>
-        <p:txBody>
-          <a:bodyPr/>
+            <a:off x="1322921" y="3299012"/>
+            <a:ext cx="6498159" cy="916641"/>
+          </a:xfrm>
+        </p:spPr>
+        <p:txBody>
+          <a:bodyPr vert="horz" lIns="91440" tIns="45720" rIns="91440" bIns="45720" rtlCol="0">
+            <a:normAutofit/>
+          </a:bodyPr>
           <a:lstStyle>
-            <a:lvl1pPr marL="0" indent="0" algn="ctr">
-              <a:buNone/>
-              <a:defRPr>
+            <a:lvl1pPr marL="0" indent="0" algn="ctr" defTabSz="914400" rtl="0" eaLnBrk="1" latinLnBrk="0" hangingPunct="1">
+              <a:spcBef>
+                <a:spcPts val="300"/>
+              </a:spcBef>
+              <a:buClr>
+                <a:schemeClr val="accent1">
+                  <a:lumMod val="60000"/>
+                  <a:lumOff val="40000"/>
+                </a:schemeClr>
+              </a:buClr>
+              <a:buSzPct val="110000"/>
+              <a:buFont typeface="Wingdings 2" pitchFamily="18" charset="2"/>
+              <a:buNone/>
+              <a:defRPr sz="1800" kern="1200">
                 <a:solidFill>
                   <a:schemeClr val="tx1">
                     <a:tint val="75000"/>
                   </a:schemeClr>
                 </a:solidFill>
+                <a:latin typeface="+mn-lt"/>
+                <a:ea typeface="+mn-ea"/>
+                <a:cs typeface="+mn-cs"/>
               </a:defRPr>
             </a:lvl1pPr>
             <a:lvl2pPr marL="457200" indent="0" algn="ctr">
@@ -267,7 +373,7 @@
               <a:rPr lang="en-US" altLang="zh-CN" smtClean="0"/>
               <a:t>Click to edit Master subtitle style</a:t>
             </a:r>
-            <a:endParaRPr lang="en-US"/>
+            <a:endParaRPr dirty="0"/>
           </a:p>
         </p:txBody>
       </p:sp>
@@ -328,20 +434,16 @@
           <a:bodyPr/>
           <a:lstStyle/>
           <a:p>
-            <a:fld id="{D5678604-C73F-1244-8A5B-6502DF997EB6}" type="slidenum">
+            <a:fld id="{FA84A37A-AFC2-4A01-80A1-FC20F2C0D5BB}" type="slidenum">
               <a:rPr lang="en-US" smtClean="0"/>
+              <a:pPr/>
               <a:t>‹#›</a:t>
             </a:fld>
-            <a:endParaRPr lang="en-US"/>
+            <a:endParaRPr lang="en-US" dirty="0"/>
           </a:p>
         </p:txBody>
       </p:sp>
     </p:spTree>
-    <p:extLst>
-      <p:ext uri="{BB962C8B-B14F-4D97-AF65-F5344CB8AC3E}">
-        <p14:creationId xmlns:p14="http://schemas.microsoft.com/office/powerpoint/2010/main" val="2807942017"/>
-      </p:ext>
-    </p:extLst>
   </p:cSld>
   <p:clrMapOvr>
     <a:masterClrMapping/>
@@ -350,6 +452,298 @@
 </file>
 
 <file path=ppt/slideLayouts/slideLayout10.xml><?xml version="1.0" encoding="utf-8"?>
+<p:sldLayout xmlns:a="http://schemas.openxmlformats.org/drawingml/2006/main" xmlns:r="http://schemas.openxmlformats.org/officeDocument/2006/relationships" xmlns:p="http://schemas.openxmlformats.org/presentationml/2006/main" preserve="1">
+  <p:cSld name="Picture with Caption">
+    <p:spTree>
+      <p:nvGrpSpPr>
+        <p:cNvPr id="1" name=""/>
+        <p:cNvGrpSpPr/>
+        <p:nvPr/>
+      </p:nvGrpSpPr>
+      <p:grpSpPr>
+        <a:xfrm>
+          <a:off x="0" y="0"/>
+          <a:ext cx="0" cy="0"/>
+          <a:chOff x="0" y="0"/>
+          <a:chExt cx="0" cy="0"/>
+        </a:xfrm>
+      </p:grpSpPr>
+      <p:sp>
+        <p:nvSpPr>
+          <p:cNvPr id="2" name="Title 1"/>
+          <p:cNvSpPr>
+            <a:spLocks noGrp="1"/>
+          </p:cNvSpPr>
+          <p:nvPr>
+            <p:ph type="title"/>
+          </p:nvPr>
+        </p:nvSpPr>
+        <p:spPr>
+          <a:xfrm>
+            <a:off x="533398" y="611872"/>
+            <a:ext cx="4079545" cy="1162050"/>
+          </a:xfrm>
+        </p:spPr>
+        <p:txBody>
+          <a:bodyPr anchor="b"/>
+          <a:lstStyle>
+            <a:lvl1pPr algn="ctr">
+              <a:defRPr sz="3600" b="0"/>
+            </a:lvl1pPr>
+          </a:lstStyle>
+          <a:p>
+            <a:r>
+              <a:rPr lang="en-US" altLang="zh-CN" smtClean="0"/>
+              <a:t>Click to edit Master title style</a:t>
+            </a:r>
+            <a:endParaRPr/>
+          </a:p>
+        </p:txBody>
+      </p:sp>
+      <p:sp>
+        <p:nvSpPr>
+          <p:cNvPr id="4" name="Text Placeholder 3"/>
+          <p:cNvSpPr>
+            <a:spLocks noGrp="1"/>
+          </p:cNvSpPr>
+          <p:nvPr>
+            <p:ph type="body" sz="half" idx="2"/>
+          </p:nvPr>
+        </p:nvSpPr>
+        <p:spPr>
+          <a:xfrm>
+            <a:off x="533398" y="1787856"/>
+            <a:ext cx="4079545" cy="3720152"/>
+          </a:xfrm>
+        </p:spPr>
+        <p:txBody>
+          <a:bodyPr>
+            <a:normAutofit/>
+          </a:bodyPr>
+          <a:lstStyle>
+            <a:lvl1pPr marL="0" indent="0" algn="ctr">
+              <a:spcBef>
+                <a:spcPts val="600"/>
+              </a:spcBef>
+              <a:buNone/>
+              <a:defRPr sz="1800"/>
+            </a:lvl1pPr>
+            <a:lvl2pPr marL="457200" indent="0">
+              <a:buNone/>
+              <a:defRPr sz="1200"/>
+            </a:lvl2pPr>
+            <a:lvl3pPr marL="914400" indent="0">
+              <a:buNone/>
+              <a:defRPr sz="1000"/>
+            </a:lvl3pPr>
+            <a:lvl4pPr marL="1371600" indent="0">
+              <a:buNone/>
+              <a:defRPr sz="900"/>
+            </a:lvl4pPr>
+            <a:lvl5pPr marL="1828800" indent="0">
+              <a:buNone/>
+              <a:defRPr sz="900"/>
+            </a:lvl5pPr>
+            <a:lvl6pPr marL="2286000" indent="0">
+              <a:buNone/>
+              <a:defRPr sz="900"/>
+            </a:lvl6pPr>
+            <a:lvl7pPr marL="2743200" indent="0">
+              <a:buNone/>
+              <a:defRPr sz="900"/>
+            </a:lvl7pPr>
+            <a:lvl8pPr marL="3200400" indent="0">
+              <a:buNone/>
+              <a:defRPr sz="900"/>
+            </a:lvl8pPr>
+            <a:lvl9pPr marL="3657600" indent="0">
+              <a:buNone/>
+              <a:defRPr sz="900"/>
+            </a:lvl9pPr>
+          </a:lstStyle>
+          <a:p>
+            <a:pPr lvl="0"/>
+            <a:r>
+              <a:rPr lang="en-US" altLang="zh-CN" smtClean="0"/>
+              <a:t>Click to edit Master text styles</a:t>
+            </a:r>
+          </a:p>
+        </p:txBody>
+      </p:sp>
+      <p:sp>
+        <p:nvSpPr>
+          <p:cNvPr id="5" name="Date Placeholder 4"/>
+          <p:cNvSpPr>
+            <a:spLocks noGrp="1"/>
+          </p:cNvSpPr>
+          <p:nvPr>
+            <p:ph type="dt" sz="half" idx="10"/>
+          </p:nvPr>
+        </p:nvSpPr>
+        <p:spPr/>
+        <p:txBody>
+          <a:bodyPr/>
+          <a:lstStyle/>
+          <a:p>
+            <a:fld id="{4D0C06BE-62F5-1940-98AE-4F5558D7FFFD}" type="datetimeFigureOut">
+              <a:rPr lang="en-US" smtClean="0"/>
+              <a:t>5/14/14</a:t>
+            </a:fld>
+            <a:endParaRPr lang="en-US"/>
+          </a:p>
+        </p:txBody>
+      </p:sp>
+      <p:sp>
+        <p:nvSpPr>
+          <p:cNvPr id="6" name="Footer Placeholder 5"/>
+          <p:cNvSpPr>
+            <a:spLocks noGrp="1"/>
+          </p:cNvSpPr>
+          <p:nvPr>
+            <p:ph type="ftr" sz="quarter" idx="11"/>
+          </p:nvPr>
+        </p:nvSpPr>
+        <p:spPr/>
+        <p:txBody>
+          <a:bodyPr/>
+          <a:lstStyle/>
+          <a:p>
+            <a:endParaRPr lang="en-US"/>
+          </a:p>
+        </p:txBody>
+      </p:sp>
+      <p:sp>
+        <p:nvSpPr>
+          <p:cNvPr id="7" name="Slide Number Placeholder 6"/>
+          <p:cNvSpPr>
+            <a:spLocks noGrp="1"/>
+          </p:cNvSpPr>
+          <p:nvPr>
+            <p:ph type="sldNum" sz="quarter" idx="12"/>
+          </p:nvPr>
+        </p:nvSpPr>
+        <p:spPr/>
+        <p:txBody>
+          <a:bodyPr/>
+          <a:lstStyle/>
+          <a:p>
+            <a:fld id="{D5678604-C73F-1244-8A5B-6502DF997EB6}" type="slidenum">
+              <a:rPr lang="en-US" smtClean="0"/>
+              <a:t>‹#›</a:t>
+            </a:fld>
+            <a:endParaRPr lang="en-US"/>
+          </a:p>
+        </p:txBody>
+      </p:sp>
+      <p:sp>
+        <p:nvSpPr>
+          <p:cNvPr id="8" name="Picture Placeholder 2"/>
+          <p:cNvSpPr>
+            <a:spLocks noGrp="1"/>
+          </p:cNvSpPr>
+          <p:nvPr>
+            <p:ph type="pic" idx="1"/>
+          </p:nvPr>
+        </p:nvSpPr>
+        <p:spPr>
+          <a:xfrm>
+            <a:off x="5090617" y="359392"/>
+            <a:ext cx="3657600" cy="5318077"/>
+          </a:xfrm>
+          <a:ln w="3175">
+            <a:solidFill>
+              <a:schemeClr val="bg1"/>
+            </a:solidFill>
+          </a:ln>
+          <a:effectLst>
+            <a:outerShdw blurRad="63500" sx="100500" sy="100500" algn="ctr" rotWithShape="0">
+              <a:prstClr val="black">
+                <a:alpha val="50000"/>
+              </a:prstClr>
+            </a:outerShdw>
+          </a:effectLst>
+        </p:spPr>
+        <p:txBody>
+          <a:bodyPr vert="horz" lIns="91440" tIns="45720" rIns="91440" bIns="45720" rtlCol="0">
+            <a:normAutofit/>
+          </a:bodyPr>
+          <a:lstStyle>
+            <a:lvl1pPr marL="0" indent="0" algn="l" defTabSz="914400" rtl="0" eaLnBrk="1" latinLnBrk="0" hangingPunct="1">
+              <a:spcBef>
+                <a:spcPts val="2000"/>
+              </a:spcBef>
+              <a:buClr>
+                <a:schemeClr val="accent1">
+                  <a:lumMod val="60000"/>
+                  <a:lumOff val="40000"/>
+                </a:schemeClr>
+              </a:buClr>
+              <a:buSzPct val="110000"/>
+              <a:buFont typeface="Wingdings 2" pitchFamily="18" charset="2"/>
+              <a:buNone/>
+              <a:defRPr sz="3200" kern="1200">
+                <a:solidFill>
+                  <a:schemeClr val="tx1">
+                    <a:lumMod val="65000"/>
+                    <a:lumOff val="35000"/>
+                  </a:schemeClr>
+                </a:solidFill>
+                <a:latin typeface="+mn-lt"/>
+                <a:ea typeface="+mn-ea"/>
+                <a:cs typeface="+mn-cs"/>
+              </a:defRPr>
+            </a:lvl1pPr>
+            <a:lvl2pPr marL="457200" indent="0">
+              <a:buNone/>
+              <a:defRPr sz="2800"/>
+            </a:lvl2pPr>
+            <a:lvl3pPr marL="914400" indent="0">
+              <a:buNone/>
+              <a:defRPr sz="2400"/>
+            </a:lvl3pPr>
+            <a:lvl4pPr marL="1371600" indent="0">
+              <a:buNone/>
+              <a:defRPr sz="2000"/>
+            </a:lvl4pPr>
+            <a:lvl5pPr marL="1828800" indent="0">
+              <a:buNone/>
+              <a:defRPr sz="2000"/>
+            </a:lvl5pPr>
+            <a:lvl6pPr marL="2286000" indent="0">
+              <a:buNone/>
+              <a:defRPr sz="2000"/>
+            </a:lvl6pPr>
+            <a:lvl7pPr marL="2743200" indent="0">
+              <a:buNone/>
+              <a:defRPr sz="2000"/>
+            </a:lvl7pPr>
+            <a:lvl8pPr marL="3200400" indent="0">
+              <a:buNone/>
+              <a:defRPr sz="2000"/>
+            </a:lvl8pPr>
+            <a:lvl9pPr marL="3657600" indent="0">
+              <a:buNone/>
+              <a:defRPr sz="2000"/>
+            </a:lvl9pPr>
+          </a:lstStyle>
+          <a:p>
+            <a:r>
+              <a:rPr lang="en-US" altLang="zh-CN" smtClean="0"/>
+              <a:t>Drag picture to placeholder or click icon to add</a:t>
+            </a:r>
+            <a:endParaRPr/>
+          </a:p>
+        </p:txBody>
+      </p:sp>
+    </p:spTree>
+  </p:cSld>
+  <p:clrMapOvr>
+    <a:masterClrMapping/>
+  </p:clrMapOvr>
+</p:sldLayout>
+</file>
+
+<file path=ppt/slideLayouts/slideLayout11.xml><?xml version="1.0" encoding="utf-8"?>
 <p:sldLayout xmlns:a="http://schemas.openxmlformats.org/drawingml/2006/main" xmlns:r="http://schemas.openxmlformats.org/officeDocument/2006/relationships" xmlns:p="http://schemas.openxmlformats.org/presentationml/2006/main" type="vertTx" preserve="1">
   <p:cSld name="Title and Vertical Text">
     <p:spTree>
@@ -385,7 +779,7 @@
               <a:rPr lang="en-US" altLang="zh-CN" smtClean="0"/>
               <a:t>Click to edit Master title style</a:t>
             </a:r>
-            <a:endParaRPr lang="en-US"/>
+            <a:endParaRPr/>
           </a:p>
         </p:txBody>
       </p:sp>
@@ -402,7 +796,11 @@
         <p:spPr/>
         <p:txBody>
           <a:bodyPr vert="eaVert"/>
-          <a:lstStyle/>
+          <a:lstStyle>
+            <a:lvl5pPr>
+              <a:defRPr/>
+            </a:lvl5pPr>
+          </a:lstStyle>
           <a:p>
             <a:pPr lvl="0"/>
             <a:r>
@@ -437,7 +835,7 @@
               <a:rPr lang="en-US" altLang="zh-CN" smtClean="0"/>
               <a:t>Fifth level</a:t>
             </a:r>
-            <a:endParaRPr lang="en-US"/>
+            <a:endParaRPr dirty="0"/>
           </a:p>
         </p:txBody>
       </p:sp>
@@ -507,11 +905,6 @@
         </p:txBody>
       </p:sp>
     </p:spTree>
-    <p:extLst>
-      <p:ext uri="{BB962C8B-B14F-4D97-AF65-F5344CB8AC3E}">
-        <p14:creationId xmlns:p14="http://schemas.microsoft.com/office/powerpoint/2010/main" val="2051978750"/>
-      </p:ext>
-    </p:extLst>
   </p:cSld>
   <p:clrMapOvr>
     <a:masterClrMapping/>
@@ -519,7 +912,7 @@
 </p:sldLayout>
 </file>
 
-<file path=ppt/slideLayouts/slideLayout11.xml><?xml version="1.0" encoding="utf-8"?>
+<file path=ppt/slideLayouts/slideLayout12.xml><?xml version="1.0" encoding="utf-8"?>
 <p:sldLayout xmlns:a="http://schemas.openxmlformats.org/drawingml/2006/main" xmlns:r="http://schemas.openxmlformats.org/officeDocument/2006/relationships" xmlns:p="http://schemas.openxmlformats.org/presentationml/2006/main" type="vertTitleAndTx" preserve="1">
   <p:cSld name="Vertical Title and Text">
     <p:spTree>
@@ -548,8 +941,8 @@
         </p:nvSpPr>
         <p:spPr>
           <a:xfrm>
-            <a:off x="6629400" y="274638"/>
-            <a:ext cx="2057400" cy="5851525"/>
+            <a:off x="7369792" y="368301"/>
+            <a:ext cx="1524000" cy="5575300"/>
           </a:xfrm>
         </p:spPr>
         <p:txBody>
@@ -560,7 +953,7 @@
               <a:rPr lang="en-US" altLang="zh-CN" smtClean="0"/>
               <a:t>Click to edit Master title style</a:t>
             </a:r>
-            <a:endParaRPr lang="en-US"/>
+            <a:endParaRPr/>
           </a:p>
         </p:txBody>
       </p:sp>
@@ -576,13 +969,17 @@
         </p:nvSpPr>
         <p:spPr>
           <a:xfrm>
-            <a:off x="457200" y="274638"/>
-            <a:ext cx="6019800" cy="5851525"/>
+            <a:off x="549274" y="368301"/>
+            <a:ext cx="6689726" cy="5575300"/>
           </a:xfrm>
         </p:spPr>
         <p:txBody>
           <a:bodyPr vert="eaVert"/>
-          <a:lstStyle/>
+          <a:lstStyle>
+            <a:lvl5pPr>
+              <a:defRPr/>
+            </a:lvl5pPr>
+          </a:lstStyle>
           <a:p>
             <a:pPr lvl="0"/>
             <a:r>
@@ -617,7 +1014,7 @@
               <a:rPr lang="en-US" altLang="zh-CN" smtClean="0"/>
               <a:t>Fifth level</a:t>
             </a:r>
-            <a:endParaRPr lang="en-US"/>
+            <a:endParaRPr dirty="0"/>
           </a:p>
         </p:txBody>
       </p:sp>
@@ -687,11 +1084,6 @@
         </p:txBody>
       </p:sp>
     </p:spTree>
-    <p:extLst>
-      <p:ext uri="{BB962C8B-B14F-4D97-AF65-F5344CB8AC3E}">
-        <p14:creationId xmlns:p14="http://schemas.microsoft.com/office/powerpoint/2010/main" val="1328081536"/>
-      </p:ext>
-    </p:extLst>
   </p:cSld>
   <p:clrMapOvr>
     <a:masterClrMapping/>
@@ -735,7 +1127,7 @@
               <a:rPr lang="en-US" altLang="zh-CN" smtClean="0"/>
               <a:t>Click to edit Master title style</a:t>
             </a:r>
-            <a:endParaRPr lang="en-US"/>
+            <a:endParaRPr/>
           </a:p>
         </p:txBody>
       </p:sp>
@@ -752,7 +1144,11 @@
         <p:spPr/>
         <p:txBody>
           <a:bodyPr/>
-          <a:lstStyle/>
+          <a:lstStyle>
+            <a:lvl5pPr>
+              <a:defRPr/>
+            </a:lvl5pPr>
+          </a:lstStyle>
           <a:p>
             <a:pPr lvl="0"/>
             <a:r>
@@ -787,7 +1183,7 @@
               <a:rPr lang="en-US" altLang="zh-CN" smtClean="0"/>
               <a:t>Fifth level</a:t>
             </a:r>
-            <a:endParaRPr lang="en-US"/>
+            <a:endParaRPr dirty="0"/>
           </a:p>
         </p:txBody>
       </p:sp>
@@ -857,11 +1253,6 @@
         </p:txBody>
       </p:sp>
     </p:spTree>
-    <p:extLst>
-      <p:ext uri="{BB962C8B-B14F-4D97-AF65-F5344CB8AC3E}">
-        <p14:creationId xmlns:p14="http://schemas.microsoft.com/office/powerpoint/2010/main" val="588558953"/>
-      </p:ext>
-    </p:extLst>
   </p:cSld>
   <p:clrMapOvr>
     <a:masterClrMapping/>
@@ -870,6 +1261,325 @@
 </file>
 
 <file path=ppt/slideLayouts/slideLayout3.xml><?xml version="1.0" encoding="utf-8"?>
+<p:sldLayout xmlns:a="http://schemas.openxmlformats.org/drawingml/2006/main" xmlns:r="http://schemas.openxmlformats.org/officeDocument/2006/relationships" xmlns:p="http://schemas.openxmlformats.org/presentationml/2006/main" preserve="1">
+  <p:cSld name="Title Slide with Picture">
+    <p:spTree>
+      <p:nvGrpSpPr>
+        <p:cNvPr id="1" name=""/>
+        <p:cNvGrpSpPr/>
+        <p:nvPr/>
+      </p:nvGrpSpPr>
+      <p:grpSpPr>
+        <a:xfrm>
+          <a:off x="0" y="0"/>
+          <a:ext cx="0" cy="0"/>
+          <a:chOff x="0" y="0"/>
+          <a:chExt cx="0" cy="0"/>
+        </a:xfrm>
+      </p:grpSpPr>
+      <p:sp>
+        <p:nvSpPr>
+          <p:cNvPr id="2" name="Title 1"/>
+          <p:cNvSpPr>
+            <a:spLocks noGrp="1"/>
+          </p:cNvSpPr>
+          <p:nvPr>
+            <p:ph type="ctrTitle"/>
+          </p:nvPr>
+        </p:nvSpPr>
+        <p:spPr>
+          <a:xfrm>
+            <a:off x="363538" y="3352801"/>
+            <a:ext cx="8416925" cy="1470025"/>
+          </a:xfrm>
+        </p:spPr>
+        <p:txBody>
+          <a:bodyPr/>
+          <a:lstStyle/>
+          <a:p>
+            <a:r>
+              <a:rPr lang="en-US" altLang="zh-CN" smtClean="0"/>
+              <a:t>Click to edit Master title style</a:t>
+            </a:r>
+            <a:endParaRPr dirty="0"/>
+          </a:p>
+        </p:txBody>
+      </p:sp>
+      <p:sp>
+        <p:nvSpPr>
+          <p:cNvPr id="3" name="Subtitle 2"/>
+          <p:cNvSpPr>
+            <a:spLocks noGrp="1"/>
+          </p:cNvSpPr>
+          <p:nvPr>
+            <p:ph type="subTitle" idx="1"/>
+          </p:nvPr>
+        </p:nvSpPr>
+        <p:spPr>
+          <a:xfrm>
+            <a:off x="363538" y="4771029"/>
+            <a:ext cx="8416925" cy="972671"/>
+          </a:xfrm>
+        </p:spPr>
+        <p:txBody>
+          <a:bodyPr>
+            <a:normAutofit/>
+          </a:bodyPr>
+          <a:lstStyle>
+            <a:lvl1pPr marL="0" indent="0" algn="ctr">
+              <a:spcBef>
+                <a:spcPts val="300"/>
+              </a:spcBef>
+              <a:buNone/>
+              <a:defRPr sz="1800">
+                <a:solidFill>
+                  <a:schemeClr val="tx1">
+                    <a:tint val="75000"/>
+                  </a:schemeClr>
+                </a:solidFill>
+              </a:defRPr>
+            </a:lvl1pPr>
+            <a:lvl2pPr marL="457200" indent="0" algn="ctr">
+              <a:buNone/>
+              <a:defRPr>
+                <a:solidFill>
+                  <a:schemeClr val="tx1">
+                    <a:tint val="75000"/>
+                  </a:schemeClr>
+                </a:solidFill>
+              </a:defRPr>
+            </a:lvl2pPr>
+            <a:lvl3pPr marL="914400" indent="0" algn="ctr">
+              <a:buNone/>
+              <a:defRPr>
+                <a:solidFill>
+                  <a:schemeClr val="tx1">
+                    <a:tint val="75000"/>
+                  </a:schemeClr>
+                </a:solidFill>
+              </a:defRPr>
+            </a:lvl3pPr>
+            <a:lvl4pPr marL="1371600" indent="0" algn="ctr">
+              <a:buNone/>
+              <a:defRPr>
+                <a:solidFill>
+                  <a:schemeClr val="tx1">
+                    <a:tint val="75000"/>
+                  </a:schemeClr>
+                </a:solidFill>
+              </a:defRPr>
+            </a:lvl4pPr>
+            <a:lvl5pPr marL="1828800" indent="0" algn="ctr">
+              <a:buNone/>
+              <a:defRPr>
+                <a:solidFill>
+                  <a:schemeClr val="tx1">
+                    <a:tint val="75000"/>
+                  </a:schemeClr>
+                </a:solidFill>
+              </a:defRPr>
+            </a:lvl5pPr>
+            <a:lvl6pPr marL="2286000" indent="0" algn="ctr">
+              <a:buNone/>
+              <a:defRPr>
+                <a:solidFill>
+                  <a:schemeClr val="tx1">
+                    <a:tint val="75000"/>
+                  </a:schemeClr>
+                </a:solidFill>
+              </a:defRPr>
+            </a:lvl6pPr>
+            <a:lvl7pPr marL="2743200" indent="0" algn="ctr">
+              <a:buNone/>
+              <a:defRPr>
+                <a:solidFill>
+                  <a:schemeClr val="tx1">
+                    <a:tint val="75000"/>
+                  </a:schemeClr>
+                </a:solidFill>
+              </a:defRPr>
+            </a:lvl7pPr>
+            <a:lvl8pPr marL="3200400" indent="0" algn="ctr">
+              <a:buNone/>
+              <a:defRPr>
+                <a:solidFill>
+                  <a:schemeClr val="tx1">
+                    <a:tint val="75000"/>
+                  </a:schemeClr>
+                </a:solidFill>
+              </a:defRPr>
+            </a:lvl8pPr>
+            <a:lvl9pPr marL="3657600" indent="0" algn="ctr">
+              <a:buNone/>
+              <a:defRPr>
+                <a:solidFill>
+                  <a:schemeClr val="tx1">
+                    <a:tint val="75000"/>
+                  </a:schemeClr>
+                </a:solidFill>
+              </a:defRPr>
+            </a:lvl9pPr>
+          </a:lstStyle>
+          <a:p>
+            <a:r>
+              <a:rPr lang="en-US" altLang="zh-CN" smtClean="0"/>
+              <a:t>Click to edit Master subtitle style</a:t>
+            </a:r>
+            <a:endParaRPr dirty="0"/>
+          </a:p>
+        </p:txBody>
+      </p:sp>
+      <p:sp>
+        <p:nvSpPr>
+          <p:cNvPr id="4" name="Date Placeholder 3"/>
+          <p:cNvSpPr>
+            <a:spLocks noGrp="1"/>
+          </p:cNvSpPr>
+          <p:nvPr>
+            <p:ph type="dt" sz="half" idx="10"/>
+          </p:nvPr>
+        </p:nvSpPr>
+        <p:spPr/>
+        <p:txBody>
+          <a:bodyPr/>
+          <a:lstStyle/>
+          <a:p>
+            <a:fld id="{4D0C06BE-62F5-1940-98AE-4F5558D7FFFD}" type="datetimeFigureOut">
+              <a:rPr lang="en-US" smtClean="0"/>
+              <a:t>5/14/14</a:t>
+            </a:fld>
+            <a:endParaRPr lang="en-US"/>
+          </a:p>
+        </p:txBody>
+      </p:sp>
+      <p:sp>
+        <p:nvSpPr>
+          <p:cNvPr id="5" name="Footer Placeholder 4"/>
+          <p:cNvSpPr>
+            <a:spLocks noGrp="1"/>
+          </p:cNvSpPr>
+          <p:nvPr>
+            <p:ph type="ftr" sz="quarter" idx="11"/>
+          </p:nvPr>
+        </p:nvSpPr>
+        <p:spPr/>
+        <p:txBody>
+          <a:bodyPr/>
+          <a:lstStyle/>
+          <a:p>
+            <a:endParaRPr lang="en-US"/>
+          </a:p>
+        </p:txBody>
+      </p:sp>
+      <p:sp>
+        <p:nvSpPr>
+          <p:cNvPr id="6" name="Slide Number Placeholder 5"/>
+          <p:cNvSpPr>
+            <a:spLocks noGrp="1"/>
+          </p:cNvSpPr>
+          <p:nvPr>
+            <p:ph type="sldNum" sz="quarter" idx="12"/>
+          </p:nvPr>
+        </p:nvSpPr>
+        <p:spPr/>
+        <p:txBody>
+          <a:bodyPr/>
+          <a:lstStyle/>
+          <a:p>
+            <a:fld id="{D5678604-C73F-1244-8A5B-6502DF997EB6}" type="slidenum">
+              <a:rPr lang="en-US" smtClean="0"/>
+              <a:t>‹#›</a:t>
+            </a:fld>
+            <a:endParaRPr lang="en-US"/>
+          </a:p>
+        </p:txBody>
+      </p:sp>
+      <p:sp>
+        <p:nvSpPr>
+          <p:cNvPr id="9" name="Picture Placeholder 2"/>
+          <p:cNvSpPr>
+            <a:spLocks noGrp="1"/>
+          </p:cNvSpPr>
+          <p:nvPr>
+            <p:ph type="pic" idx="13"/>
+          </p:nvPr>
+        </p:nvSpPr>
+        <p:spPr>
+          <a:xfrm>
+            <a:off x="370980" y="363538"/>
+            <a:ext cx="8402040" cy="2836862"/>
+          </a:xfrm>
+          <a:ln w="3175">
+            <a:solidFill>
+              <a:schemeClr val="bg1"/>
+            </a:solidFill>
+          </a:ln>
+          <a:effectLst>
+            <a:outerShdw blurRad="63500" sx="100500" sy="100500" algn="ctr" rotWithShape="0">
+              <a:prstClr val="black">
+                <a:alpha val="50000"/>
+              </a:prstClr>
+            </a:outerShdw>
+          </a:effectLst>
+        </p:spPr>
+        <p:txBody>
+          <a:bodyPr/>
+          <a:lstStyle>
+            <a:lvl1pPr marL="0" indent="0">
+              <a:buNone/>
+              <a:defRPr sz="3200"/>
+            </a:lvl1pPr>
+            <a:lvl2pPr marL="457200" indent="0">
+              <a:buNone/>
+              <a:defRPr sz="2800"/>
+            </a:lvl2pPr>
+            <a:lvl3pPr marL="914400" indent="0">
+              <a:buNone/>
+              <a:defRPr sz="2400"/>
+            </a:lvl3pPr>
+            <a:lvl4pPr marL="1371600" indent="0">
+              <a:buNone/>
+              <a:defRPr sz="2000"/>
+            </a:lvl4pPr>
+            <a:lvl5pPr marL="1828800" indent="0">
+              <a:buNone/>
+              <a:defRPr sz="2000"/>
+            </a:lvl5pPr>
+            <a:lvl6pPr marL="2286000" indent="0">
+              <a:buNone/>
+              <a:defRPr sz="2000"/>
+            </a:lvl6pPr>
+            <a:lvl7pPr marL="2743200" indent="0">
+              <a:buNone/>
+              <a:defRPr sz="2000"/>
+            </a:lvl7pPr>
+            <a:lvl8pPr marL="3200400" indent="0">
+              <a:buNone/>
+              <a:defRPr sz="2000"/>
+            </a:lvl8pPr>
+            <a:lvl9pPr marL="3657600" indent="0">
+              <a:buNone/>
+              <a:defRPr sz="2000"/>
+            </a:lvl9pPr>
+          </a:lstStyle>
+          <a:p>
+            <a:r>
+              <a:rPr lang="en-US" altLang="zh-CN" smtClean="0"/>
+              <a:t>Drag picture to placeholder or click icon to add</a:t>
+            </a:r>
+            <a:endParaRPr/>
+          </a:p>
+        </p:txBody>
+      </p:sp>
+    </p:spTree>
+  </p:cSld>
+  <p:clrMapOvr>
+    <a:masterClrMapping/>
+  </p:clrMapOvr>
+</p:sldLayout>
+</file>
+
+<file path=ppt/slideLayouts/slideLayout4.xml><?xml version="1.0" encoding="utf-8"?>
 <p:sldLayout xmlns:a="http://schemas.openxmlformats.org/drawingml/2006/main" xmlns:r="http://schemas.openxmlformats.org/officeDocument/2006/relationships" xmlns:p="http://schemas.openxmlformats.org/presentationml/2006/main" type="secHead" preserve="1">
   <p:cSld name="Section Header">
     <p:spTree>
@@ -898,15 +1608,15 @@
         </p:nvSpPr>
         <p:spPr>
           <a:xfrm>
-            <a:off x="722313" y="4406900"/>
-            <a:ext cx="7772400" cy="1362075"/>
-          </a:xfrm>
-        </p:spPr>
-        <p:txBody>
-          <a:bodyPr anchor="t"/>
+            <a:off x="549275" y="2403144"/>
+            <a:ext cx="8056563" cy="1362075"/>
+          </a:xfrm>
+        </p:spPr>
+        <p:txBody>
+          <a:bodyPr anchor="b" anchorCtr="0"/>
           <a:lstStyle>
-            <a:lvl1pPr algn="l">
-              <a:defRPr sz="4000" b="1" cap="all"/>
+            <a:lvl1pPr algn="ctr">
+              <a:defRPr sz="4600" b="0" cap="none" baseline="0"/>
             </a:lvl1pPr>
           </a:lstStyle>
           <a:p>
@@ -914,7 +1624,7 @@
               <a:rPr lang="en-US" altLang="zh-CN" smtClean="0"/>
               <a:t>Click to edit Master title style</a:t>
             </a:r>
-            <a:endParaRPr lang="en-US"/>
+            <a:endParaRPr/>
           </a:p>
         </p:txBody>
       </p:sp>
@@ -930,16 +1640,21 @@
         </p:nvSpPr>
         <p:spPr>
           <a:xfrm>
-            <a:off x="722313" y="2906713"/>
-            <a:ext cx="7772400" cy="1500187"/>
-          </a:xfrm>
-        </p:spPr>
-        <p:txBody>
-          <a:bodyPr anchor="b"/>
+            <a:off x="549275" y="3736005"/>
+            <a:ext cx="8056563" cy="1500187"/>
+          </a:xfrm>
+        </p:spPr>
+        <p:txBody>
+          <a:bodyPr anchor="t" anchorCtr="0">
+            <a:normAutofit/>
+          </a:bodyPr>
           <a:lstStyle>
-            <a:lvl1pPr marL="0" indent="0">
-              <a:buNone/>
-              <a:defRPr sz="2000">
+            <a:lvl1pPr marL="0" indent="0" algn="ctr">
+              <a:spcBef>
+                <a:spcPts val="300"/>
+              </a:spcBef>
+              <a:buNone/>
+              <a:defRPr sz="1800">
                 <a:solidFill>
                   <a:schemeClr val="tx1">
                     <a:tint val="75000"/>
@@ -1103,11 +1818,6 @@
         </p:txBody>
       </p:sp>
     </p:spTree>
-    <p:extLst>
-      <p:ext uri="{BB962C8B-B14F-4D97-AF65-F5344CB8AC3E}">
-        <p14:creationId xmlns:p14="http://schemas.microsoft.com/office/powerpoint/2010/main" val="2874057098"/>
-      </p:ext>
-    </p:extLst>
   </p:cSld>
   <p:clrMapOvr>
     <a:masterClrMapping/>
@@ -1115,7 +1825,7 @@
 </p:sldLayout>
 </file>
 
-<file path=ppt/slideLayouts/slideLayout4.xml><?xml version="1.0" encoding="utf-8"?>
+<file path=ppt/slideLayouts/slideLayout5.xml><?xml version="1.0" encoding="utf-8"?>
 <p:sldLayout xmlns:a="http://schemas.openxmlformats.org/drawingml/2006/main" xmlns:r="http://schemas.openxmlformats.org/officeDocument/2006/relationships" xmlns:p="http://schemas.openxmlformats.org/presentationml/2006/main" type="twoObj" preserve="1">
   <p:cSld name="Two Content">
     <p:spTree>
@@ -1142,7 +1852,12 @@
             <p:ph type="title"/>
           </p:nvPr>
         </p:nvSpPr>
-        <p:spPr/>
+        <p:spPr>
+          <a:xfrm>
+            <a:off x="549275" y="107576"/>
+            <a:ext cx="8042276" cy="1336956"/>
+          </a:xfrm>
+        </p:spPr>
         <p:txBody>
           <a:bodyPr/>
           <a:lstStyle/>
@@ -1151,7 +1866,7 @@
               <a:rPr lang="en-US" altLang="zh-CN" smtClean="0"/>
               <a:t>Click to edit Master title style</a:t>
             </a:r>
-            <a:endParaRPr lang="en-US"/>
+            <a:endParaRPr/>
           </a:p>
         </p:txBody>
       </p:sp>
@@ -1167,21 +1882,26 @@
         </p:nvSpPr>
         <p:spPr>
           <a:xfrm>
-            <a:off x="457200" y="1600200"/>
-            <a:ext cx="4038600" cy="4525963"/>
-          </a:xfrm>
-        </p:spPr>
-        <p:txBody>
-          <a:bodyPr/>
+            <a:off x="549275" y="1600201"/>
+            <a:ext cx="3840480" cy="4343400"/>
+          </a:xfrm>
+        </p:spPr>
+        <p:txBody>
+          <a:bodyPr>
+            <a:normAutofit/>
+          </a:bodyPr>
           <a:lstStyle>
             <a:lvl1pPr>
-              <a:defRPr sz="2800"/>
+              <a:spcBef>
+                <a:spcPts val="1600"/>
+              </a:spcBef>
+              <a:defRPr sz="2000"/>
             </a:lvl1pPr>
             <a:lvl2pPr>
-              <a:defRPr sz="2400"/>
+              <a:defRPr sz="1800"/>
             </a:lvl2pPr>
             <a:lvl3pPr>
-              <a:defRPr sz="2000"/>
+              <a:defRPr sz="1800"/>
             </a:lvl3pPr>
             <a:lvl4pPr>
               <a:defRPr sz="1800"/>
@@ -1236,7 +1956,7 @@
               <a:rPr lang="en-US" altLang="zh-CN" smtClean="0"/>
               <a:t>Fifth level</a:t>
             </a:r>
-            <a:endParaRPr lang="en-US"/>
+            <a:endParaRPr dirty="0"/>
           </a:p>
         </p:txBody>
       </p:sp>
@@ -1252,21 +1972,26 @@
         </p:nvSpPr>
         <p:spPr>
           <a:xfrm>
-            <a:off x="4648200" y="1600200"/>
-            <a:ext cx="4038600" cy="4525963"/>
-          </a:xfrm>
-        </p:spPr>
-        <p:txBody>
-          <a:bodyPr/>
+            <a:off x="4751071" y="1600201"/>
+            <a:ext cx="3840480" cy="4343400"/>
+          </a:xfrm>
+        </p:spPr>
+        <p:txBody>
+          <a:bodyPr>
+            <a:normAutofit/>
+          </a:bodyPr>
           <a:lstStyle>
             <a:lvl1pPr>
-              <a:defRPr sz="2800"/>
+              <a:spcBef>
+                <a:spcPts val="1600"/>
+              </a:spcBef>
+              <a:defRPr sz="2000"/>
             </a:lvl1pPr>
             <a:lvl2pPr>
-              <a:defRPr sz="2400"/>
+              <a:defRPr sz="1800"/>
             </a:lvl2pPr>
             <a:lvl3pPr>
-              <a:defRPr sz="2000"/>
+              <a:defRPr sz="1800"/>
             </a:lvl3pPr>
             <a:lvl4pPr>
               <a:defRPr sz="1800"/>
@@ -1321,7 +2046,7 @@
               <a:rPr lang="en-US" altLang="zh-CN" smtClean="0"/>
               <a:t>Fifth level</a:t>
             </a:r>
-            <a:endParaRPr lang="en-US"/>
+            <a:endParaRPr dirty="0"/>
           </a:p>
         </p:txBody>
       </p:sp>
@@ -1391,11 +2116,6 @@
         </p:txBody>
       </p:sp>
     </p:spTree>
-    <p:extLst>
-      <p:ext uri="{BB962C8B-B14F-4D97-AF65-F5344CB8AC3E}">
-        <p14:creationId xmlns:p14="http://schemas.microsoft.com/office/powerpoint/2010/main" val="2162855772"/>
-      </p:ext>
-    </p:extLst>
   </p:cSld>
   <p:clrMapOvr>
     <a:masterClrMapping/>
@@ -1403,7 +2123,7 @@
 </p:sldLayout>
 </file>
 
-<file path=ppt/slideLayouts/slideLayout5.xml><?xml version="1.0" encoding="utf-8"?>
+<file path=ppt/slideLayouts/slideLayout6.xml><?xml version="1.0" encoding="utf-8"?>
 <p:sldLayout xmlns:a="http://schemas.openxmlformats.org/drawingml/2006/main" xmlns:r="http://schemas.openxmlformats.org/officeDocument/2006/relationships" xmlns:p="http://schemas.openxmlformats.org/presentationml/2006/main" type="twoTxTwoObj" preserve="1">
   <p:cSld name="Comparison">
     <p:spTree>
@@ -1430,7 +2150,12 @@
             <p:ph type="title"/>
           </p:nvPr>
         </p:nvSpPr>
-        <p:spPr/>
+        <p:spPr>
+          <a:xfrm>
+            <a:off x="549274" y="107576"/>
+            <a:ext cx="8042276" cy="1336956"/>
+          </a:xfrm>
+        </p:spPr>
         <p:txBody>
           <a:bodyPr/>
           <a:lstStyle>
@@ -1443,7 +2168,7 @@
               <a:rPr lang="en-US" altLang="zh-CN" smtClean="0"/>
               <a:t>Click to edit Master title style</a:t>
             </a:r>
-            <a:endParaRPr lang="en-US"/>
+            <a:endParaRPr/>
           </a:p>
         </p:txBody>
       </p:sp>
@@ -1459,16 +2184,28 @@
         </p:nvSpPr>
         <p:spPr>
           <a:xfrm>
-            <a:off x="457200" y="1535113"/>
-            <a:ext cx="4040188" cy="639762"/>
-          </a:xfrm>
-        </p:spPr>
-        <p:txBody>
-          <a:bodyPr anchor="b"/>
+            <a:off x="549274" y="1453224"/>
+            <a:ext cx="3840480" cy="750887"/>
+          </a:xfrm>
+        </p:spPr>
+        <p:txBody>
+          <a:bodyPr anchor="b">
+            <a:noAutofit/>
+          </a:bodyPr>
           <a:lstStyle>
-            <a:lvl1pPr marL="0" indent="0">
-              <a:buNone/>
-              <a:defRPr sz="2400" b="1"/>
+            <a:lvl1pPr marL="0" indent="0" algn="ctr">
+              <a:spcBef>
+                <a:spcPts val="0"/>
+              </a:spcBef>
+              <a:buNone/>
+              <a:defRPr sz="2400" b="0">
+                <a:solidFill>
+                  <a:schemeClr val="accent1">
+                    <a:lumMod val="60000"/>
+                    <a:lumOff val="40000"/>
+                  </a:schemeClr>
+                </a:solidFill>
+              </a:defRPr>
             </a:lvl1pPr>
             <a:lvl2pPr marL="457200" indent="0">
               <a:buNone/>
@@ -1524,27 +2261,32 @@
         </p:nvSpPr>
         <p:spPr>
           <a:xfrm>
-            <a:off x="457200" y="2174875"/>
-            <a:ext cx="4040188" cy="3951288"/>
-          </a:xfrm>
-        </p:spPr>
-        <p:txBody>
-          <a:bodyPr/>
+            <a:off x="549274" y="2347415"/>
+            <a:ext cx="3840480" cy="3596185"/>
+          </a:xfrm>
+        </p:spPr>
+        <p:txBody>
+          <a:bodyPr>
+            <a:normAutofit/>
+          </a:bodyPr>
           <a:lstStyle>
             <a:lvl1pPr>
-              <a:defRPr sz="2400"/>
+              <a:spcBef>
+                <a:spcPts val="1600"/>
+              </a:spcBef>
+              <a:defRPr sz="2000"/>
             </a:lvl1pPr>
             <a:lvl2pPr>
-              <a:defRPr sz="2000"/>
+              <a:defRPr sz="1800"/>
             </a:lvl2pPr>
             <a:lvl3pPr>
               <a:defRPr sz="1800"/>
             </a:lvl3pPr>
             <a:lvl4pPr>
-              <a:defRPr sz="1600"/>
+              <a:defRPr sz="1800"/>
             </a:lvl4pPr>
             <a:lvl5pPr>
-              <a:defRPr sz="1600"/>
+              <a:defRPr sz="1800"/>
             </a:lvl5pPr>
             <a:lvl6pPr>
               <a:defRPr sz="1600"/>
@@ -1593,7 +2335,7 @@
               <a:rPr lang="en-US" altLang="zh-CN" smtClean="0"/>
               <a:t>Fifth level</a:t>
             </a:r>
-            <a:endParaRPr lang="en-US"/>
+            <a:endParaRPr dirty="0"/>
           </a:p>
         </p:txBody>
       </p:sp>
@@ -1609,16 +2351,28 @@
         </p:nvSpPr>
         <p:spPr>
           <a:xfrm>
-            <a:off x="4645025" y="1535113"/>
-            <a:ext cx="4041775" cy="639762"/>
-          </a:xfrm>
-        </p:spPr>
-        <p:txBody>
-          <a:bodyPr anchor="b"/>
+            <a:off x="4751070" y="1453224"/>
+            <a:ext cx="3840480" cy="750887"/>
+          </a:xfrm>
+        </p:spPr>
+        <p:txBody>
+          <a:bodyPr anchor="b">
+            <a:noAutofit/>
+          </a:bodyPr>
           <a:lstStyle>
-            <a:lvl1pPr marL="0" indent="0">
-              <a:buNone/>
-              <a:defRPr sz="2400" b="1"/>
+            <a:lvl1pPr marL="0" indent="0" algn="ctr">
+              <a:spcBef>
+                <a:spcPts val="0"/>
+              </a:spcBef>
+              <a:buNone/>
+              <a:defRPr sz="2400" b="0">
+                <a:solidFill>
+                  <a:schemeClr val="accent1">
+                    <a:lumMod val="60000"/>
+                    <a:lumOff val="40000"/>
+                  </a:schemeClr>
+                </a:solidFill>
+              </a:defRPr>
             </a:lvl1pPr>
             <a:lvl2pPr marL="457200" indent="0">
               <a:buNone/>
@@ -1674,27 +2428,32 @@
         </p:nvSpPr>
         <p:spPr>
           <a:xfrm>
-            <a:off x="4645025" y="2174875"/>
-            <a:ext cx="4041775" cy="3951288"/>
-          </a:xfrm>
-        </p:spPr>
-        <p:txBody>
-          <a:bodyPr/>
+            <a:off x="4751070" y="2347415"/>
+            <a:ext cx="3840480" cy="3596185"/>
+          </a:xfrm>
+        </p:spPr>
+        <p:txBody>
+          <a:bodyPr>
+            <a:normAutofit/>
+          </a:bodyPr>
           <a:lstStyle>
             <a:lvl1pPr>
-              <a:defRPr sz="2400"/>
+              <a:spcBef>
+                <a:spcPts val="1600"/>
+              </a:spcBef>
+              <a:defRPr sz="2000"/>
             </a:lvl1pPr>
             <a:lvl2pPr>
-              <a:defRPr sz="2000"/>
+              <a:defRPr sz="1800"/>
             </a:lvl2pPr>
             <a:lvl3pPr>
               <a:defRPr sz="1800"/>
             </a:lvl3pPr>
             <a:lvl4pPr>
-              <a:defRPr sz="1600"/>
+              <a:defRPr sz="1800"/>
             </a:lvl4pPr>
             <a:lvl5pPr>
-              <a:defRPr sz="1600"/>
+              <a:defRPr sz="1800"/>
             </a:lvl5pPr>
             <a:lvl6pPr>
               <a:defRPr sz="1600"/>
@@ -1743,7 +2502,7 @@
               <a:rPr lang="en-US" altLang="zh-CN" smtClean="0"/>
               <a:t>Fifth level</a:t>
             </a:r>
-            <a:endParaRPr lang="en-US"/>
+            <a:endParaRPr dirty="0"/>
           </a:p>
         </p:txBody>
       </p:sp>
@@ -1813,11 +2572,6 @@
         </p:txBody>
       </p:sp>
     </p:spTree>
-    <p:extLst>
-      <p:ext uri="{BB962C8B-B14F-4D97-AF65-F5344CB8AC3E}">
-        <p14:creationId xmlns:p14="http://schemas.microsoft.com/office/powerpoint/2010/main" val="961968585"/>
-      </p:ext>
-    </p:extLst>
   </p:cSld>
   <p:clrMapOvr>
     <a:masterClrMapping/>
@@ -1825,7 +2579,7 @@
 </p:sldLayout>
 </file>
 
-<file path=ppt/slideLayouts/slideLayout6.xml><?xml version="1.0" encoding="utf-8"?>
+<file path=ppt/slideLayouts/slideLayout7.xml><?xml version="1.0" encoding="utf-8"?>
 <p:sldLayout xmlns:a="http://schemas.openxmlformats.org/drawingml/2006/main" xmlns:r="http://schemas.openxmlformats.org/officeDocument/2006/relationships" xmlns:p="http://schemas.openxmlformats.org/presentationml/2006/main" type="titleOnly" preserve="1">
   <p:cSld name="Title Only">
     <p:spTree>
@@ -1861,7 +2615,7 @@
               <a:rPr lang="en-US" altLang="zh-CN" smtClean="0"/>
               <a:t>Click to edit Master title style</a:t>
             </a:r>
-            <a:endParaRPr lang="en-US"/>
+            <a:endParaRPr/>
           </a:p>
         </p:txBody>
       </p:sp>
@@ -1931,11 +2685,6 @@
         </p:txBody>
       </p:sp>
     </p:spTree>
-    <p:extLst>
-      <p:ext uri="{BB962C8B-B14F-4D97-AF65-F5344CB8AC3E}">
-        <p14:creationId xmlns:p14="http://schemas.microsoft.com/office/powerpoint/2010/main" val="1789953894"/>
-      </p:ext>
-    </p:extLst>
   </p:cSld>
   <p:clrMapOvr>
     <a:masterClrMapping/>
@@ -1943,7 +2692,7 @@
 </p:sldLayout>
 </file>
 
-<file path=ppt/slideLayouts/slideLayout7.xml><?xml version="1.0" encoding="utf-8"?>
+<file path=ppt/slideLayouts/slideLayout8.xml><?xml version="1.0" encoding="utf-8"?>
 <p:sldLayout xmlns:a="http://schemas.openxmlformats.org/drawingml/2006/main" xmlns:r="http://schemas.openxmlformats.org/officeDocument/2006/relationships" xmlns:p="http://schemas.openxmlformats.org/presentationml/2006/main" type="blank" preserve="1">
   <p:cSld name="Blank">
     <p:spTree>
@@ -2026,11 +2775,6 @@
         </p:txBody>
       </p:sp>
     </p:spTree>
-    <p:extLst>
-      <p:ext uri="{BB962C8B-B14F-4D97-AF65-F5344CB8AC3E}">
-        <p14:creationId xmlns:p14="http://schemas.microsoft.com/office/powerpoint/2010/main" val="2499141071"/>
-      </p:ext>
-    </p:extLst>
   </p:cSld>
   <p:clrMapOvr>
     <a:masterClrMapping/>
@@ -2038,7 +2782,7 @@
 </p:sldLayout>
 </file>
 
-<file path=ppt/slideLayouts/slideLayout8.xml><?xml version="1.0" encoding="utf-8"?>
+<file path=ppt/slideLayouts/slideLayout9.xml><?xml version="1.0" encoding="utf-8"?>
 <p:sldLayout xmlns:a="http://schemas.openxmlformats.org/drawingml/2006/main" xmlns:r="http://schemas.openxmlformats.org/officeDocument/2006/relationships" xmlns:p="http://schemas.openxmlformats.org/presentationml/2006/main" type="objTx" preserve="1">
   <p:cSld name="Content with Caption">
     <p:spTree>
@@ -2067,15 +2811,15 @@
         </p:nvSpPr>
         <p:spPr>
           <a:xfrm>
-            <a:off x="457200" y="273050"/>
-            <a:ext cx="3008313" cy="1162050"/>
+            <a:off x="533399" y="611872"/>
+            <a:ext cx="3840480" cy="1162050"/>
           </a:xfrm>
         </p:spPr>
         <p:txBody>
           <a:bodyPr anchor="b"/>
           <a:lstStyle>
-            <a:lvl1pPr algn="l">
-              <a:defRPr sz="2000" b="1"/>
+            <a:lvl1pPr algn="ctr">
+              <a:defRPr sz="3600" b="0"/>
             </a:lvl1pPr>
           </a:lstStyle>
           <a:p>
@@ -2083,7 +2827,7 @@
               <a:rPr lang="en-US" altLang="zh-CN" smtClean="0"/>
               <a:t>Click to edit Master title style</a:t>
             </a:r>
-            <a:endParaRPr lang="en-US"/>
+            <a:endParaRPr/>
           </a:p>
         </p:txBody>
       </p:sp>
@@ -2099,27 +2843,32 @@
         </p:nvSpPr>
         <p:spPr>
           <a:xfrm>
-            <a:off x="3575050" y="273050"/>
-            <a:ext cx="5111750" cy="5853113"/>
-          </a:xfrm>
-        </p:spPr>
-        <p:txBody>
-          <a:bodyPr/>
+            <a:off x="4742824" y="368300"/>
+            <a:ext cx="3840480" cy="5575300"/>
+          </a:xfrm>
+        </p:spPr>
+        <p:txBody>
+          <a:bodyPr>
+            <a:normAutofit/>
+          </a:bodyPr>
           <a:lstStyle>
             <a:lvl1pPr>
-              <a:defRPr sz="3200"/>
+              <a:spcBef>
+                <a:spcPts val="2000"/>
+              </a:spcBef>
+              <a:defRPr sz="2200"/>
             </a:lvl1pPr>
             <a:lvl2pPr>
-              <a:defRPr sz="2800"/>
+              <a:defRPr sz="2000"/>
             </a:lvl2pPr>
             <a:lvl3pPr>
-              <a:defRPr sz="2400"/>
+              <a:defRPr sz="1800"/>
             </a:lvl3pPr>
             <a:lvl4pPr>
-              <a:defRPr sz="2000"/>
+              <a:defRPr sz="1800"/>
             </a:lvl4pPr>
             <a:lvl5pPr>
-              <a:defRPr sz="2000"/>
+              <a:defRPr sz="1800"/>
             </a:lvl5pPr>
             <a:lvl6pPr>
               <a:defRPr sz="2000"/>
@@ -2168,7 +2917,7 @@
               <a:rPr lang="en-US" altLang="zh-CN" smtClean="0"/>
               <a:t>Fifth level</a:t>
             </a:r>
-            <a:endParaRPr lang="en-US"/>
+            <a:endParaRPr dirty="0"/>
           </a:p>
         </p:txBody>
       </p:sp>
@@ -2184,16 +2933,21 @@
         </p:nvSpPr>
         <p:spPr>
           <a:xfrm>
-            <a:off x="457200" y="1435100"/>
-            <a:ext cx="3008313" cy="4691063"/>
-          </a:xfrm>
-        </p:spPr>
-        <p:txBody>
-          <a:bodyPr/>
+            <a:off x="533399" y="1787856"/>
+            <a:ext cx="3840480" cy="3720152"/>
+          </a:xfrm>
+        </p:spPr>
+        <p:txBody>
+          <a:bodyPr>
+            <a:normAutofit/>
+          </a:bodyPr>
           <a:lstStyle>
-            <a:lvl1pPr marL="0" indent="0">
-              <a:buNone/>
-              <a:defRPr sz="1400"/>
+            <a:lvl1pPr marL="0" indent="0" algn="ctr">
+              <a:spcBef>
+                <a:spcPts val="600"/>
+              </a:spcBef>
+              <a:buNone/>
+              <a:defRPr sz="1800"/>
             </a:lvl1pPr>
             <a:lvl2pPr marL="457200" indent="0">
               <a:buNone/>
@@ -2303,264 +3057,6 @@
         </p:txBody>
       </p:sp>
     </p:spTree>
-    <p:extLst>
-      <p:ext uri="{BB962C8B-B14F-4D97-AF65-F5344CB8AC3E}">
-        <p14:creationId xmlns:p14="http://schemas.microsoft.com/office/powerpoint/2010/main" val="617086969"/>
-      </p:ext>
-    </p:extLst>
-  </p:cSld>
-  <p:clrMapOvr>
-    <a:masterClrMapping/>
-  </p:clrMapOvr>
-</p:sldLayout>
-</file>
-
-<file path=ppt/slideLayouts/slideLayout9.xml><?xml version="1.0" encoding="utf-8"?>
-<p:sldLayout xmlns:a="http://schemas.openxmlformats.org/drawingml/2006/main" xmlns:r="http://schemas.openxmlformats.org/officeDocument/2006/relationships" xmlns:p="http://schemas.openxmlformats.org/presentationml/2006/main" type="picTx" preserve="1">
-  <p:cSld name="Picture with Caption">
-    <p:spTree>
-      <p:nvGrpSpPr>
-        <p:cNvPr id="1" name=""/>
-        <p:cNvGrpSpPr/>
-        <p:nvPr/>
-      </p:nvGrpSpPr>
-      <p:grpSpPr>
-        <a:xfrm>
-          <a:off x="0" y="0"/>
-          <a:ext cx="0" cy="0"/>
-          <a:chOff x="0" y="0"/>
-          <a:chExt cx="0" cy="0"/>
-        </a:xfrm>
-      </p:grpSpPr>
-      <p:sp>
-        <p:nvSpPr>
-          <p:cNvPr id="2" name="Title 1"/>
-          <p:cNvSpPr>
-            <a:spLocks noGrp="1"/>
-          </p:cNvSpPr>
-          <p:nvPr>
-            <p:ph type="title"/>
-          </p:nvPr>
-        </p:nvSpPr>
-        <p:spPr>
-          <a:xfrm>
-            <a:off x="1792288" y="4800600"/>
-            <a:ext cx="5486400" cy="566738"/>
-          </a:xfrm>
-        </p:spPr>
-        <p:txBody>
-          <a:bodyPr anchor="b"/>
-          <a:lstStyle>
-            <a:lvl1pPr algn="l">
-              <a:defRPr sz="2000" b="1"/>
-            </a:lvl1pPr>
-          </a:lstStyle>
-          <a:p>
-            <a:r>
-              <a:rPr lang="en-US" altLang="zh-CN" smtClean="0"/>
-              <a:t>Click to edit Master title style</a:t>
-            </a:r>
-            <a:endParaRPr lang="en-US"/>
-          </a:p>
-        </p:txBody>
-      </p:sp>
-      <p:sp>
-        <p:nvSpPr>
-          <p:cNvPr id="3" name="Picture Placeholder 2"/>
-          <p:cNvSpPr>
-            <a:spLocks noGrp="1"/>
-          </p:cNvSpPr>
-          <p:nvPr>
-            <p:ph type="pic" idx="1"/>
-          </p:nvPr>
-        </p:nvSpPr>
-        <p:spPr>
-          <a:xfrm>
-            <a:off x="1792288" y="612775"/>
-            <a:ext cx="5486400" cy="4114800"/>
-          </a:xfrm>
-        </p:spPr>
-        <p:txBody>
-          <a:bodyPr/>
-          <a:lstStyle>
-            <a:lvl1pPr marL="0" indent="0">
-              <a:buNone/>
-              <a:defRPr sz="3200"/>
-            </a:lvl1pPr>
-            <a:lvl2pPr marL="457200" indent="0">
-              <a:buNone/>
-              <a:defRPr sz="2800"/>
-            </a:lvl2pPr>
-            <a:lvl3pPr marL="914400" indent="0">
-              <a:buNone/>
-              <a:defRPr sz="2400"/>
-            </a:lvl3pPr>
-            <a:lvl4pPr marL="1371600" indent="0">
-              <a:buNone/>
-              <a:defRPr sz="2000"/>
-            </a:lvl4pPr>
-            <a:lvl5pPr marL="1828800" indent="0">
-              <a:buNone/>
-              <a:defRPr sz="2000"/>
-            </a:lvl5pPr>
-            <a:lvl6pPr marL="2286000" indent="0">
-              <a:buNone/>
-              <a:defRPr sz="2000"/>
-            </a:lvl6pPr>
-            <a:lvl7pPr marL="2743200" indent="0">
-              <a:buNone/>
-              <a:defRPr sz="2000"/>
-            </a:lvl7pPr>
-            <a:lvl8pPr marL="3200400" indent="0">
-              <a:buNone/>
-              <a:defRPr sz="2000"/>
-            </a:lvl8pPr>
-            <a:lvl9pPr marL="3657600" indent="0">
-              <a:buNone/>
-              <a:defRPr sz="2000"/>
-            </a:lvl9pPr>
-          </a:lstStyle>
-          <a:p>
-            <a:endParaRPr lang="en-US"/>
-          </a:p>
-        </p:txBody>
-      </p:sp>
-      <p:sp>
-        <p:nvSpPr>
-          <p:cNvPr id="4" name="Text Placeholder 3"/>
-          <p:cNvSpPr>
-            <a:spLocks noGrp="1"/>
-          </p:cNvSpPr>
-          <p:nvPr>
-            <p:ph type="body" sz="half" idx="2"/>
-          </p:nvPr>
-        </p:nvSpPr>
-        <p:spPr>
-          <a:xfrm>
-            <a:off x="1792288" y="5367338"/>
-            <a:ext cx="5486400" cy="804862"/>
-          </a:xfrm>
-        </p:spPr>
-        <p:txBody>
-          <a:bodyPr/>
-          <a:lstStyle>
-            <a:lvl1pPr marL="0" indent="0">
-              <a:buNone/>
-              <a:defRPr sz="1400"/>
-            </a:lvl1pPr>
-            <a:lvl2pPr marL="457200" indent="0">
-              <a:buNone/>
-              <a:defRPr sz="1200"/>
-            </a:lvl2pPr>
-            <a:lvl3pPr marL="914400" indent="0">
-              <a:buNone/>
-              <a:defRPr sz="1000"/>
-            </a:lvl3pPr>
-            <a:lvl4pPr marL="1371600" indent="0">
-              <a:buNone/>
-              <a:defRPr sz="900"/>
-            </a:lvl4pPr>
-            <a:lvl5pPr marL="1828800" indent="0">
-              <a:buNone/>
-              <a:defRPr sz="900"/>
-            </a:lvl5pPr>
-            <a:lvl6pPr marL="2286000" indent="0">
-              <a:buNone/>
-              <a:defRPr sz="900"/>
-            </a:lvl6pPr>
-            <a:lvl7pPr marL="2743200" indent="0">
-              <a:buNone/>
-              <a:defRPr sz="900"/>
-            </a:lvl7pPr>
-            <a:lvl8pPr marL="3200400" indent="0">
-              <a:buNone/>
-              <a:defRPr sz="900"/>
-            </a:lvl8pPr>
-            <a:lvl9pPr marL="3657600" indent="0">
-              <a:buNone/>
-              <a:defRPr sz="900"/>
-            </a:lvl9pPr>
-          </a:lstStyle>
-          <a:p>
-            <a:pPr lvl="0"/>
-            <a:r>
-              <a:rPr lang="en-US" altLang="zh-CN" smtClean="0"/>
-              <a:t>Click to edit Master text styles</a:t>
-            </a:r>
-          </a:p>
-        </p:txBody>
-      </p:sp>
-      <p:sp>
-        <p:nvSpPr>
-          <p:cNvPr id="5" name="Date Placeholder 4"/>
-          <p:cNvSpPr>
-            <a:spLocks noGrp="1"/>
-          </p:cNvSpPr>
-          <p:nvPr>
-            <p:ph type="dt" sz="half" idx="10"/>
-          </p:nvPr>
-        </p:nvSpPr>
-        <p:spPr/>
-        <p:txBody>
-          <a:bodyPr/>
-          <a:lstStyle/>
-          <a:p>
-            <a:fld id="{4D0C06BE-62F5-1940-98AE-4F5558D7FFFD}" type="datetimeFigureOut">
-              <a:rPr lang="en-US" smtClean="0"/>
-              <a:t>5/14/14</a:t>
-            </a:fld>
-            <a:endParaRPr lang="en-US"/>
-          </a:p>
-        </p:txBody>
-      </p:sp>
-      <p:sp>
-        <p:nvSpPr>
-          <p:cNvPr id="6" name="Footer Placeholder 5"/>
-          <p:cNvSpPr>
-            <a:spLocks noGrp="1"/>
-          </p:cNvSpPr>
-          <p:nvPr>
-            <p:ph type="ftr" sz="quarter" idx="11"/>
-          </p:nvPr>
-        </p:nvSpPr>
-        <p:spPr/>
-        <p:txBody>
-          <a:bodyPr/>
-          <a:lstStyle/>
-          <a:p>
-            <a:endParaRPr lang="en-US"/>
-          </a:p>
-        </p:txBody>
-      </p:sp>
-      <p:sp>
-        <p:nvSpPr>
-          <p:cNvPr id="7" name="Slide Number Placeholder 6"/>
-          <p:cNvSpPr>
-            <a:spLocks noGrp="1"/>
-          </p:cNvSpPr>
-          <p:nvPr>
-            <p:ph type="sldNum" sz="quarter" idx="12"/>
-          </p:nvPr>
-        </p:nvSpPr>
-        <p:spPr/>
-        <p:txBody>
-          <a:bodyPr/>
-          <a:lstStyle/>
-          <a:p>
-            <a:fld id="{D5678604-C73F-1244-8A5B-6502DF997EB6}" type="slidenum">
-              <a:rPr lang="en-US" smtClean="0"/>
-              <a:t>‹#›</a:t>
-            </a:fld>
-            <a:endParaRPr lang="en-US"/>
-          </a:p>
-        </p:txBody>
-      </p:sp>
-    </p:spTree>
-    <p:extLst>
-      <p:ext uri="{BB962C8B-B14F-4D97-AF65-F5344CB8AC3E}">
-        <p14:creationId xmlns:p14="http://schemas.microsoft.com/office/powerpoint/2010/main" val="3655974715"/>
-      </p:ext>
-    </p:extLst>
   </p:cSld>
   <p:clrMapOvr>
     <a:masterClrMapping/>
@@ -2572,8 +3068,8 @@
 <p:sldMaster xmlns:a="http://schemas.openxmlformats.org/drawingml/2006/main" xmlns:r="http://schemas.openxmlformats.org/officeDocument/2006/relationships" xmlns:p="http://schemas.openxmlformats.org/presentationml/2006/main">
   <p:cSld>
     <p:bg>
-      <p:bgRef idx="1001">
-        <a:schemeClr val="bg1"/>
+      <p:bgRef idx="1003">
+        <a:schemeClr val="bg2"/>
       </p:bgRef>
     </p:bg>
     <p:spTree>
@@ -2602,16 +3098,16 @@
         </p:nvSpPr>
         <p:spPr>
           <a:xfrm>
-            <a:off x="457200" y="274638"/>
-            <a:ext cx="8229600" cy="1143000"/>
+            <a:off x="549275" y="107576"/>
+            <a:ext cx="8042276" cy="1336956"/>
           </a:xfrm>
           <a:prstGeom prst="rect">
             <a:avLst/>
           </a:prstGeom>
         </p:spPr>
         <p:txBody>
-          <a:bodyPr vert="horz" lIns="91440" tIns="45720" rIns="91440" bIns="45720" rtlCol="0" anchor="ctr">
-            <a:normAutofit/>
+          <a:bodyPr vert="horz" lIns="91440" tIns="45720" rIns="91440" bIns="45720" rtlCol="0" anchor="b" anchorCtr="0">
+            <a:noAutofit/>
           </a:bodyPr>
           <a:lstStyle/>
           <a:p>
@@ -2619,7 +3115,7 @@
               <a:rPr lang="en-US" altLang="zh-CN" smtClean="0"/>
               <a:t>Click to edit Master title style</a:t>
             </a:r>
-            <a:endParaRPr lang="en-US"/>
+            <a:endParaRPr/>
           </a:p>
         </p:txBody>
       </p:sp>
@@ -2635,8 +3131,8 @@
         </p:nvSpPr>
         <p:spPr>
           <a:xfrm>
-            <a:off x="457200" y="1600200"/>
-            <a:ext cx="8229600" cy="4525963"/>
+            <a:off x="549275" y="1600201"/>
+            <a:ext cx="8042276" cy="4343400"/>
           </a:xfrm>
           <a:prstGeom prst="rect">
             <a:avLst/>
@@ -2681,24 +3177,63 @@
               <a:rPr lang="en-US" altLang="zh-CN" smtClean="0"/>
               <a:t>Fifth level</a:t>
             </a:r>
+            <a:endParaRPr dirty="0"/>
+          </a:p>
+        </p:txBody>
+      </p:sp>
+      <p:sp>
+        <p:nvSpPr>
+          <p:cNvPr id="4" name="Date Placeholder 3"/>
+          <p:cNvSpPr>
+            <a:spLocks noGrp="1"/>
+          </p:cNvSpPr>
+          <p:nvPr>
+            <p:ph type="dt" sz="half" idx="2"/>
+          </p:nvPr>
+        </p:nvSpPr>
+        <p:spPr>
+          <a:xfrm>
+            <a:off x="5629835" y="6275668"/>
+            <a:ext cx="2133600" cy="365125"/>
+          </a:xfrm>
+          <a:prstGeom prst="rect">
+            <a:avLst/>
+          </a:prstGeom>
+        </p:spPr>
+        <p:txBody>
+          <a:bodyPr vert="horz" lIns="91440" tIns="45720" rIns="91440" bIns="45720" rtlCol="0" anchor="ctr"/>
+          <a:lstStyle>
+            <a:lvl1pPr algn="r">
+              <a:defRPr sz="1200">
+                <a:solidFill>
+                  <a:schemeClr val="bg1"/>
+                </a:solidFill>
+              </a:defRPr>
+            </a:lvl1pPr>
+          </a:lstStyle>
+          <a:p>
+            <a:fld id="{4D0C06BE-62F5-1940-98AE-4F5558D7FFFD}" type="datetimeFigureOut">
+              <a:rPr lang="en-US" smtClean="0"/>
+              <a:t>5/14/14</a:t>
+            </a:fld>
             <a:endParaRPr lang="en-US"/>
           </a:p>
         </p:txBody>
       </p:sp>
       <p:sp>
         <p:nvSpPr>
-          <p:cNvPr id="4" name="Date Placeholder 3"/>
-          <p:cNvSpPr>
-            <a:spLocks noGrp="1"/>
-          </p:cNvSpPr>
-          <p:nvPr>
-            <p:ph type="dt" sz="half" idx="2"/>
+          <p:cNvPr id="5" name="Footer Placeholder 4"/>
+          <p:cNvSpPr>
+            <a:spLocks noGrp="1"/>
+          </p:cNvSpPr>
+          <p:nvPr>
+            <p:ph type="ftr" sz="quarter" idx="3"/>
           </p:nvPr>
         </p:nvSpPr>
         <p:spPr>
           <a:xfrm>
-            <a:off x="457200" y="6356350"/>
-            <a:ext cx="2133600" cy="365125"/>
+            <a:off x="264458" y="6275668"/>
+            <a:ext cx="4840941" cy="365125"/>
           </a:xfrm>
           <a:prstGeom prst="rect">
             <a:avLst/>
@@ -2710,36 +3245,30 @@
             <a:lvl1pPr algn="l">
               <a:defRPr sz="1200">
                 <a:solidFill>
-                  <a:schemeClr val="tx1">
-                    <a:tint val="75000"/>
-                  </a:schemeClr>
+                  <a:schemeClr val="bg1"/>
                 </a:solidFill>
               </a:defRPr>
             </a:lvl1pPr>
           </a:lstStyle>
           <a:p>
-            <a:fld id="{4D0C06BE-62F5-1940-98AE-4F5558D7FFFD}" type="datetimeFigureOut">
-              <a:rPr lang="en-US" smtClean="0"/>
-              <a:t>5/14/14</a:t>
-            </a:fld>
             <a:endParaRPr lang="en-US"/>
           </a:p>
         </p:txBody>
       </p:sp>
       <p:sp>
         <p:nvSpPr>
-          <p:cNvPr id="5" name="Footer Placeholder 4"/>
-          <p:cNvSpPr>
-            <a:spLocks noGrp="1"/>
-          </p:cNvSpPr>
-          <p:nvPr>
-            <p:ph type="ftr" sz="quarter" idx="3"/>
+          <p:cNvPr id="6" name="Slide Number Placeholder 5"/>
+          <p:cNvSpPr>
+            <a:spLocks noGrp="1"/>
+          </p:cNvSpPr>
+          <p:nvPr>
+            <p:ph type="sldNum" sz="quarter" idx="4"/>
           </p:nvPr>
         </p:nvSpPr>
         <p:spPr>
           <a:xfrm>
-            <a:off x="3124200" y="6356350"/>
-            <a:ext cx="2895600" cy="365125"/>
+            <a:off x="7897906" y="6275668"/>
+            <a:ext cx="990600" cy="365125"/>
           </a:xfrm>
           <a:prstGeom prst="rect">
             <a:avLst/>
@@ -2748,49 +3277,10 @@
         <p:txBody>
           <a:bodyPr vert="horz" lIns="91440" tIns="45720" rIns="91440" bIns="45720" rtlCol="0" anchor="ctr"/>
           <a:lstStyle>
-            <a:lvl1pPr algn="ctr">
-              <a:defRPr sz="1200">
+            <a:lvl1pPr algn="r">
+              <a:defRPr sz="3600">
                 <a:solidFill>
-                  <a:schemeClr val="tx1">
-                    <a:tint val="75000"/>
-                  </a:schemeClr>
-                </a:solidFill>
-              </a:defRPr>
-            </a:lvl1pPr>
-          </a:lstStyle>
-          <a:p>
-            <a:endParaRPr lang="en-US"/>
-          </a:p>
-        </p:txBody>
-      </p:sp>
-      <p:sp>
-        <p:nvSpPr>
-          <p:cNvPr id="6" name="Slide Number Placeholder 5"/>
-          <p:cNvSpPr>
-            <a:spLocks noGrp="1"/>
-          </p:cNvSpPr>
-          <p:nvPr>
-            <p:ph type="sldNum" sz="quarter" idx="4"/>
-          </p:nvPr>
-        </p:nvSpPr>
-        <p:spPr>
-          <a:xfrm>
-            <a:off x="6553200" y="6356350"/>
-            <a:ext cx="2133600" cy="365125"/>
-          </a:xfrm>
-          <a:prstGeom prst="rect">
-            <a:avLst/>
-          </a:prstGeom>
-        </p:spPr>
-        <p:txBody>
-          <a:bodyPr vert="horz" lIns="91440" tIns="45720" rIns="91440" bIns="45720" rtlCol="0" anchor="ctr"/>
-          <a:lstStyle>
-            <a:lvl1pPr algn="r">
-              <a:defRPr sz="1200">
-                <a:solidFill>
-                  <a:schemeClr val="tx1">
-                    <a:tint val="75000"/>
-                  </a:schemeClr>
+                  <a:schemeClr val="bg1"/>
                 </a:solidFill>
               </a:defRPr>
             </a:lvl1pPr>
@@ -2805,36 +3295,32 @@
         </p:txBody>
       </p:sp>
     </p:spTree>
-    <p:extLst>
-      <p:ext uri="{BB962C8B-B14F-4D97-AF65-F5344CB8AC3E}">
-        <p14:creationId xmlns:p14="http://schemas.microsoft.com/office/powerpoint/2010/main" val="238148783"/>
-      </p:ext>
-    </p:extLst>
   </p:cSld>
   <p:clrMap bg1="lt1" tx1="dk1" bg2="lt2" tx2="dk2" accent1="accent1" accent2="accent2" accent3="accent3" accent4="accent4" accent5="accent5" accent6="accent6" hlink="hlink" folHlink="folHlink"/>
   <p:sldLayoutIdLst>
-    <p:sldLayoutId id="2147483649" r:id="rId1"/>
-    <p:sldLayoutId id="2147483650" r:id="rId2"/>
-    <p:sldLayoutId id="2147483651" r:id="rId3"/>
-    <p:sldLayoutId id="2147483652" r:id="rId4"/>
-    <p:sldLayoutId id="2147483653" r:id="rId5"/>
-    <p:sldLayoutId id="2147483654" r:id="rId6"/>
-    <p:sldLayoutId id="2147483655" r:id="rId7"/>
-    <p:sldLayoutId id="2147483656" r:id="rId8"/>
-    <p:sldLayoutId id="2147483657" r:id="rId9"/>
-    <p:sldLayoutId id="2147483658" r:id="rId10"/>
-    <p:sldLayoutId id="2147483659" r:id="rId11"/>
+    <p:sldLayoutId id="2147483903" r:id="rId1"/>
+    <p:sldLayoutId id="2147483904" r:id="rId2"/>
+    <p:sldLayoutId id="2147483905" r:id="rId3"/>
+    <p:sldLayoutId id="2147483906" r:id="rId4"/>
+    <p:sldLayoutId id="2147483907" r:id="rId5"/>
+    <p:sldLayoutId id="2147483908" r:id="rId6"/>
+    <p:sldLayoutId id="2147483909" r:id="rId7"/>
+    <p:sldLayoutId id="2147483910" r:id="rId8"/>
+    <p:sldLayoutId id="2147483911" r:id="rId9"/>
+    <p:sldLayoutId id="2147483912" r:id="rId10"/>
+    <p:sldLayoutId id="2147483913" r:id="rId11"/>
+    <p:sldLayoutId id="2147483914" r:id="rId12"/>
   </p:sldLayoutIdLst>
   <p:txStyles>
     <p:titleStyle>
-      <a:lvl1pPr algn="ctr" defTabSz="457200" rtl="0" eaLnBrk="1" latinLnBrk="0" hangingPunct="1">
+      <a:lvl1pPr algn="ctr" defTabSz="914400" rtl="0" eaLnBrk="1" latinLnBrk="0" hangingPunct="1">
         <a:spcBef>
           <a:spcPct val="0"/>
         </a:spcBef>
         <a:buNone/>
-        <a:defRPr sz="4400" kern="1200">
+        <a:defRPr sz="4600" kern="1200">
           <a:solidFill>
-            <a:schemeClr val="tx1"/>
+            <a:schemeClr val="accent1"/>
           </a:solidFill>
           <a:latin typeface="+mj-lt"/>
           <a:ea typeface="+mj-ea"/>
@@ -2843,135 +3329,217 @@
       </a:lvl1pPr>
     </p:titleStyle>
     <p:bodyStyle>
-      <a:lvl1pPr marL="342900" indent="-342900" algn="l" defTabSz="457200" rtl="0" eaLnBrk="1" latinLnBrk="0" hangingPunct="1">
+      <a:lvl1pPr marL="349250" indent="-349250" algn="l" defTabSz="914400" rtl="0" eaLnBrk="1" latinLnBrk="0" hangingPunct="1">
         <a:spcBef>
-          <a:spcPct val="20000"/>
+          <a:spcPts val="2000"/>
         </a:spcBef>
-        <a:buFont typeface="Arial"/>
-        <a:buChar char="•"/>
-        <a:defRPr sz="3200" kern="1200">
+        <a:buClr>
+          <a:schemeClr val="accent1">
+            <a:lumMod val="60000"/>
+            <a:lumOff val="40000"/>
+          </a:schemeClr>
+        </a:buClr>
+        <a:buSzPct val="110000"/>
+        <a:buFont typeface="Wingdings 2" pitchFamily="18" charset="2"/>
+        <a:buChar char=""/>
+        <a:defRPr sz="2400" kern="1200">
           <a:solidFill>
-            <a:schemeClr val="tx1"/>
+            <a:schemeClr val="tx1">
+              <a:lumMod val="65000"/>
+              <a:lumOff val="35000"/>
+            </a:schemeClr>
           </a:solidFill>
           <a:latin typeface="+mn-lt"/>
           <a:ea typeface="+mn-ea"/>
           <a:cs typeface="+mn-cs"/>
         </a:defRPr>
       </a:lvl1pPr>
-      <a:lvl2pPr marL="742950" indent="-285750" algn="l" defTabSz="457200" rtl="0" eaLnBrk="1" latinLnBrk="0" hangingPunct="1">
+      <a:lvl2pPr marL="685800" indent="-336550" algn="l" defTabSz="914400" rtl="0" eaLnBrk="1" latinLnBrk="0" hangingPunct="1">
         <a:spcBef>
-          <a:spcPct val="20000"/>
+          <a:spcPts val="600"/>
         </a:spcBef>
-        <a:buFont typeface="Arial"/>
-        <a:buChar char="–"/>
-        <a:defRPr sz="2800" kern="1200">
+        <a:buClr>
+          <a:schemeClr val="accent1">
+            <a:lumMod val="75000"/>
+          </a:schemeClr>
+        </a:buClr>
+        <a:buSzPct val="110000"/>
+        <a:buFont typeface="Wingdings 2" pitchFamily="18" charset="2"/>
+        <a:buChar char=""/>
+        <a:defRPr sz="2200" kern="1200">
           <a:solidFill>
-            <a:schemeClr val="tx1"/>
+            <a:schemeClr val="tx1">
+              <a:lumMod val="65000"/>
+              <a:lumOff val="35000"/>
+            </a:schemeClr>
           </a:solidFill>
           <a:latin typeface="+mn-lt"/>
           <a:ea typeface="+mn-ea"/>
           <a:cs typeface="+mn-cs"/>
         </a:defRPr>
       </a:lvl2pPr>
-      <a:lvl3pPr marL="1143000" indent="-228600" algn="l" defTabSz="457200" rtl="0" eaLnBrk="1" latinLnBrk="0" hangingPunct="1">
+      <a:lvl3pPr marL="968375" indent="-282575" algn="l" defTabSz="914400" rtl="0" eaLnBrk="1" latinLnBrk="0" hangingPunct="1">
         <a:spcBef>
-          <a:spcPct val="20000"/>
+          <a:spcPts val="600"/>
         </a:spcBef>
-        <a:buFont typeface="Arial"/>
-        <a:buChar char="•"/>
-        <a:defRPr sz="2400" kern="1200">
+        <a:buClr>
+          <a:schemeClr val="accent1">
+            <a:lumMod val="60000"/>
+            <a:lumOff val="40000"/>
+          </a:schemeClr>
+        </a:buClr>
+        <a:buSzPct val="110000"/>
+        <a:buFont typeface="Wingdings 2" pitchFamily="18" charset="2"/>
+        <a:buChar char=""/>
+        <a:defRPr sz="2000" kern="1200">
           <a:solidFill>
-            <a:schemeClr val="tx1"/>
+            <a:schemeClr val="tx1">
+              <a:lumMod val="65000"/>
+              <a:lumOff val="35000"/>
+            </a:schemeClr>
           </a:solidFill>
           <a:latin typeface="+mn-lt"/>
           <a:ea typeface="+mn-ea"/>
           <a:cs typeface="+mn-cs"/>
         </a:defRPr>
       </a:lvl3pPr>
-      <a:lvl4pPr marL="1600200" indent="-228600" algn="l" defTabSz="457200" rtl="0" eaLnBrk="1" latinLnBrk="0" hangingPunct="1">
+      <a:lvl4pPr marL="1263650" indent="-295275" algn="l" defTabSz="914400" rtl="0" eaLnBrk="1" latinLnBrk="0" hangingPunct="1">
         <a:spcBef>
-          <a:spcPct val="20000"/>
+          <a:spcPts val="600"/>
         </a:spcBef>
-        <a:buFont typeface="Arial"/>
-        <a:buChar char="–"/>
-        <a:defRPr sz="2000" kern="1200">
+        <a:buClr>
+          <a:schemeClr val="accent1">
+            <a:lumMod val="75000"/>
+          </a:schemeClr>
+        </a:buClr>
+        <a:buSzPct val="110000"/>
+        <a:buFont typeface="Wingdings 2" pitchFamily="18" charset="2"/>
+        <a:buChar char=""/>
+        <a:defRPr sz="1800" kern="1200">
           <a:solidFill>
-            <a:schemeClr val="tx1"/>
+            <a:schemeClr val="tx1">
+              <a:lumMod val="65000"/>
+              <a:lumOff val="35000"/>
+            </a:schemeClr>
           </a:solidFill>
           <a:latin typeface="+mn-lt"/>
           <a:ea typeface="+mn-ea"/>
           <a:cs typeface="+mn-cs"/>
         </a:defRPr>
       </a:lvl4pPr>
-      <a:lvl5pPr marL="2057400" indent="-228600" algn="l" defTabSz="457200" rtl="0" eaLnBrk="1" latinLnBrk="0" hangingPunct="1">
+      <a:lvl5pPr marL="1546225" indent="-282575" algn="l" defTabSz="914400" rtl="0" eaLnBrk="1" latinLnBrk="0" hangingPunct="1">
         <a:spcBef>
-          <a:spcPct val="20000"/>
+          <a:spcPts val="600"/>
         </a:spcBef>
-        <a:buFont typeface="Arial"/>
-        <a:buChar char="»"/>
-        <a:defRPr sz="2000" kern="1200">
+        <a:buClr>
+          <a:schemeClr val="accent1">
+            <a:lumMod val="60000"/>
+            <a:lumOff val="40000"/>
+          </a:schemeClr>
+        </a:buClr>
+        <a:buSzPct val="110000"/>
+        <a:buFont typeface="Wingdings 2" pitchFamily="18" charset="2"/>
+        <a:buChar char=""/>
+        <a:defRPr sz="1800" kern="1200">
           <a:solidFill>
-            <a:schemeClr val="tx1"/>
+            <a:schemeClr val="tx1">
+              <a:lumMod val="65000"/>
+              <a:lumOff val="35000"/>
+            </a:schemeClr>
           </a:solidFill>
           <a:latin typeface="+mn-lt"/>
           <a:ea typeface="+mn-ea"/>
           <a:cs typeface="+mn-cs"/>
         </a:defRPr>
       </a:lvl5pPr>
-      <a:lvl6pPr marL="2514600" indent="-228600" algn="l" defTabSz="457200" rtl="0" eaLnBrk="1" latinLnBrk="0" hangingPunct="1">
+      <a:lvl6pPr marL="1828800" indent="-282575" algn="l" defTabSz="914400" rtl="0" eaLnBrk="1" latinLnBrk="0" hangingPunct="1">
         <a:spcBef>
           <a:spcPct val="20000"/>
         </a:spcBef>
-        <a:buFont typeface="Arial"/>
-        <a:buChar char="•"/>
-        <a:defRPr sz="2000" kern="1200">
+        <a:buClr>
+          <a:schemeClr val="accent2"/>
+        </a:buClr>
+        <a:buSzPct val="110000"/>
+        <a:buFont typeface="Wingdings 2" pitchFamily="18" charset="2"/>
+        <a:buChar char=""/>
+        <a:defRPr lang="en-US" sz="1800" kern="1200" dirty="0" smtClean="0">
           <a:solidFill>
-            <a:schemeClr val="tx1"/>
+            <a:schemeClr val="tx1">
+              <a:lumMod val="65000"/>
+              <a:lumOff val="35000"/>
+            </a:schemeClr>
           </a:solidFill>
           <a:latin typeface="+mn-lt"/>
           <a:ea typeface="+mn-ea"/>
           <a:cs typeface="+mn-cs"/>
         </a:defRPr>
       </a:lvl6pPr>
-      <a:lvl7pPr marL="2971800" indent="-228600" algn="l" defTabSz="457200" rtl="0" eaLnBrk="1" latinLnBrk="0" hangingPunct="1">
+      <a:lvl7pPr marL="2117725" indent="-282575" algn="l" defTabSz="914400" rtl="0" eaLnBrk="1" latinLnBrk="0" hangingPunct="1">
         <a:spcBef>
           <a:spcPct val="20000"/>
         </a:spcBef>
-        <a:buFont typeface="Arial"/>
-        <a:buChar char="•"/>
-        <a:defRPr sz="2000" kern="1200">
+        <a:buClr>
+          <a:schemeClr val="accent1">
+            <a:lumMod val="60000"/>
+            <a:lumOff val="40000"/>
+          </a:schemeClr>
+        </a:buClr>
+        <a:buSzPct val="110000"/>
+        <a:buFont typeface="Wingdings 2" pitchFamily="18" charset="2"/>
+        <a:buChar char=""/>
+        <a:defRPr lang="en-US" sz="1800" kern="1200" dirty="0" smtClean="0">
           <a:solidFill>
-            <a:schemeClr val="tx1"/>
+            <a:schemeClr val="tx1">
+              <a:lumMod val="65000"/>
+              <a:lumOff val="35000"/>
+            </a:schemeClr>
           </a:solidFill>
           <a:latin typeface="+mn-lt"/>
           <a:ea typeface="+mn-ea"/>
           <a:cs typeface="+mn-cs"/>
         </a:defRPr>
       </a:lvl7pPr>
-      <a:lvl8pPr marL="3429000" indent="-228600" algn="l" defTabSz="457200" rtl="0" eaLnBrk="1" latinLnBrk="0" hangingPunct="1">
+      <a:lvl8pPr marL="2398713" indent="-282575" algn="l" defTabSz="914400" rtl="0" eaLnBrk="1" latinLnBrk="0" hangingPunct="1">
         <a:spcBef>
           <a:spcPct val="20000"/>
         </a:spcBef>
-        <a:buFont typeface="Arial"/>
-        <a:buChar char="•"/>
-        <a:defRPr sz="2000" kern="1200">
+        <a:buClr>
+          <a:schemeClr val="accent2"/>
+        </a:buClr>
+        <a:buSzPct val="110000"/>
+        <a:buFont typeface="Wingdings 2" pitchFamily="18" charset="2"/>
+        <a:buChar char=""/>
+        <a:defRPr lang="en-US" sz="1800" kern="1200" dirty="0" smtClean="0">
           <a:solidFill>
-            <a:schemeClr val="tx1"/>
+            <a:schemeClr val="tx1">
+              <a:lumMod val="65000"/>
+              <a:lumOff val="35000"/>
+            </a:schemeClr>
           </a:solidFill>
           <a:latin typeface="+mn-lt"/>
           <a:ea typeface="+mn-ea"/>
           <a:cs typeface="+mn-cs"/>
         </a:defRPr>
       </a:lvl8pPr>
-      <a:lvl9pPr marL="3886200" indent="-228600" algn="l" defTabSz="457200" rtl="0" eaLnBrk="1" latinLnBrk="0" hangingPunct="1">
+      <a:lvl9pPr marL="2689225" indent="-282575" algn="l" defTabSz="914400" rtl="0" eaLnBrk="1" latinLnBrk="0" hangingPunct="1">
         <a:spcBef>
           <a:spcPct val="20000"/>
         </a:spcBef>
-        <a:buFont typeface="Arial"/>
-        <a:buChar char="•"/>
-        <a:defRPr sz="2000" kern="1200">
+        <a:buClr>
+          <a:schemeClr val="accent1">
+            <a:lumMod val="60000"/>
+            <a:lumOff val="40000"/>
+          </a:schemeClr>
+        </a:buClr>
+        <a:buSzPct val="110000"/>
+        <a:buFont typeface="Wingdings 2" pitchFamily="18" charset="2"/>
+        <a:buChar char=""/>
+        <a:defRPr lang="en-US" sz="1800" kern="1200" dirty="0">
           <a:solidFill>
-            <a:schemeClr val="tx1"/>
+            <a:schemeClr val="tx1">
+              <a:lumMod val="65000"/>
+              <a:lumOff val="35000"/>
+            </a:schemeClr>
           </a:solidFill>
           <a:latin typeface="+mn-lt"/>
           <a:ea typeface="+mn-ea"/>
@@ -2981,9 +3549,9 @@
     </p:bodyStyle>
     <p:otherStyle>
       <a:defPPr>
-        <a:defRPr lang="en-US"/>
+        <a:defRPr/>
       </a:defPPr>
-      <a:lvl1pPr marL="0" algn="l" defTabSz="457200" rtl="0" eaLnBrk="1" latinLnBrk="0" hangingPunct="1">
+      <a:lvl1pPr marL="0" algn="l" defTabSz="914400" rtl="0" eaLnBrk="1" latinLnBrk="0" hangingPunct="1">
         <a:defRPr sz="1800" kern="1200">
           <a:solidFill>
             <a:schemeClr val="tx1"/>
@@ -2993,7 +3561,7 @@
           <a:cs typeface="+mn-cs"/>
         </a:defRPr>
       </a:lvl1pPr>
-      <a:lvl2pPr marL="457200" algn="l" defTabSz="457200" rtl="0" eaLnBrk="1" latinLnBrk="0" hangingPunct="1">
+      <a:lvl2pPr marL="457200" algn="l" defTabSz="914400" rtl="0" eaLnBrk="1" latinLnBrk="0" hangingPunct="1">
         <a:defRPr sz="1800" kern="1200">
           <a:solidFill>
             <a:schemeClr val="tx1"/>
@@ -3003,7 +3571,7 @@
           <a:cs typeface="+mn-cs"/>
         </a:defRPr>
       </a:lvl2pPr>
-      <a:lvl3pPr marL="914400" algn="l" defTabSz="457200" rtl="0" eaLnBrk="1" latinLnBrk="0" hangingPunct="1">
+      <a:lvl3pPr marL="914400" algn="l" defTabSz="914400" rtl="0" eaLnBrk="1" latinLnBrk="0" hangingPunct="1">
         <a:defRPr sz="1800" kern="1200">
           <a:solidFill>
             <a:schemeClr val="tx1"/>
@@ -3013,7 +3581,7 @@
           <a:cs typeface="+mn-cs"/>
         </a:defRPr>
       </a:lvl3pPr>
-      <a:lvl4pPr marL="1371600" algn="l" defTabSz="457200" rtl="0" eaLnBrk="1" latinLnBrk="0" hangingPunct="1">
+      <a:lvl4pPr marL="1371600" algn="l" defTabSz="914400" rtl="0" eaLnBrk="1" latinLnBrk="0" hangingPunct="1">
         <a:defRPr sz="1800" kern="1200">
           <a:solidFill>
             <a:schemeClr val="tx1"/>
@@ -3023,7 +3591,7 @@
           <a:cs typeface="+mn-cs"/>
         </a:defRPr>
       </a:lvl4pPr>
-      <a:lvl5pPr marL="1828800" algn="l" defTabSz="457200" rtl="0" eaLnBrk="1" latinLnBrk="0" hangingPunct="1">
+      <a:lvl5pPr marL="1828800" algn="l" defTabSz="914400" rtl="0" eaLnBrk="1" latinLnBrk="0" hangingPunct="1">
         <a:defRPr sz="1800" kern="1200">
           <a:solidFill>
             <a:schemeClr val="tx1"/>
@@ -3033,7 +3601,7 @@
           <a:cs typeface="+mn-cs"/>
         </a:defRPr>
       </a:lvl5pPr>
-      <a:lvl6pPr marL="2286000" algn="l" defTabSz="457200" rtl="0" eaLnBrk="1" latinLnBrk="0" hangingPunct="1">
+      <a:lvl6pPr marL="2286000" algn="l" defTabSz="914400" rtl="0" eaLnBrk="1" latinLnBrk="0" hangingPunct="1">
         <a:defRPr sz="1800" kern="1200">
           <a:solidFill>
             <a:schemeClr val="tx1"/>
@@ -3043,7 +3611,7 @@
           <a:cs typeface="+mn-cs"/>
         </a:defRPr>
       </a:lvl6pPr>
-      <a:lvl7pPr marL="2743200" algn="l" defTabSz="457200" rtl="0" eaLnBrk="1" latinLnBrk="0" hangingPunct="1">
+      <a:lvl7pPr marL="2743200" algn="l" defTabSz="914400" rtl="0" eaLnBrk="1" latinLnBrk="0" hangingPunct="1">
         <a:defRPr sz="1800" kern="1200">
           <a:solidFill>
             <a:schemeClr val="tx1"/>
@@ -3053,7 +3621,7 @@
           <a:cs typeface="+mn-cs"/>
         </a:defRPr>
       </a:lvl7pPr>
-      <a:lvl8pPr marL="3200400" algn="l" defTabSz="457200" rtl="0" eaLnBrk="1" latinLnBrk="0" hangingPunct="1">
+      <a:lvl8pPr marL="3200400" algn="l" defTabSz="914400" rtl="0" eaLnBrk="1" latinLnBrk="0" hangingPunct="1">
         <a:defRPr sz="1800" kern="1200">
           <a:solidFill>
             <a:schemeClr val="tx1"/>
@@ -3063,7 +3631,7 @@
           <a:cs typeface="+mn-cs"/>
         </a:defRPr>
       </a:lvl8pPr>
-      <a:lvl9pPr marL="3657600" algn="l" defTabSz="457200" rtl="0" eaLnBrk="1" latinLnBrk="0" hangingPunct="1">
+      <a:lvl9pPr marL="3657600" algn="l" defTabSz="914400" rtl="0" eaLnBrk="1" latinLnBrk="0" hangingPunct="1">
         <a:defRPr sz="1800" kern="1200">
           <a:solidFill>
             <a:schemeClr val="tx1"/>
@@ -3097,42 +3665,64 @@
       </p:grpSpPr>
       <p:sp>
         <p:nvSpPr>
-          <p:cNvPr id="2" name="Title 1"/>
-          <p:cNvSpPr>
-            <a:spLocks noGrp="1"/>
-          </p:cNvSpPr>
-          <p:nvPr>
-            <p:ph type="ctrTitle"/>
-          </p:nvPr>
-        </p:nvSpPr>
-        <p:spPr/>
+          <p:cNvPr id="3" name="Subtitle 2"/>
+          <p:cNvSpPr>
+            <a:spLocks noGrp="1"/>
+          </p:cNvSpPr>
+          <p:nvPr>
+            <p:ph type="subTitle" idx="1"/>
+          </p:nvPr>
+        </p:nvSpPr>
+        <p:spPr>
+          <a:xfrm>
+            <a:off x="1371600" y="5105400"/>
+            <a:ext cx="6400800" cy="533400"/>
+          </a:xfrm>
+        </p:spPr>
         <p:txBody>
           <a:bodyPr/>
           <a:lstStyle/>
           <a:p>
-            <a:endParaRPr lang="en-US"/>
-          </a:p>
-        </p:txBody>
-      </p:sp>
-      <p:sp>
-        <p:nvSpPr>
-          <p:cNvPr id="3" name="Subtitle 2"/>
-          <p:cNvSpPr>
-            <a:spLocks noGrp="1"/>
-          </p:cNvSpPr>
-          <p:nvPr>
-            <p:ph type="subTitle" idx="1"/>
-          </p:nvPr>
-        </p:nvSpPr>
-        <p:spPr/>
-        <p:txBody>
-          <a:bodyPr/>
-          <a:lstStyle/>
-          <a:p>
-            <a:endParaRPr lang="en-US"/>
-          </a:p>
-        </p:txBody>
-      </p:sp>
+            <a:r>
+              <a:rPr lang="en-US" altLang="zh-CN" dirty="0" smtClean="0"/>
+              <a:t>Brain-Storming</a:t>
+            </a:r>
+          </a:p>
+          <a:p>
+            <a:endParaRPr lang="en-US" dirty="0"/>
+          </a:p>
+        </p:txBody>
+      </p:sp>
+      <p:pic>
+        <p:nvPicPr>
+          <p:cNvPr id="4" name="Picture 3" descr="20110113020346258_483.jpg"/>
+          <p:cNvPicPr>
+            <a:picLocks noChangeAspect="1"/>
+          </p:cNvPicPr>
+          <p:nvPr/>
+        </p:nvPicPr>
+        <p:blipFill>
+          <a:blip r:embed="rId2">
+            <a:extLst>
+              <a:ext uri="{28A0092B-C50C-407E-A947-70E740481C1C}">
+                <a14:useLocalDpi xmlns:a14="http://schemas.microsoft.com/office/drawing/2010/main" val="0"/>
+              </a:ext>
+            </a:extLst>
+          </a:blip>
+          <a:stretch>
+            <a:fillRect/>
+          </a:stretch>
+        </p:blipFill>
+        <p:spPr>
+          <a:xfrm>
+            <a:off x="533400" y="292101"/>
+            <a:ext cx="8166099" cy="4559300"/>
+          </a:xfrm>
+          <a:prstGeom prst="rect">
+            <a:avLst/>
+          </a:prstGeom>
+        </p:spPr>
+      </p:pic>
     </p:spTree>
     <p:extLst>
       <p:ext uri="{BB962C8B-B14F-4D97-AF65-F5344CB8AC3E}">
@@ -3143,13 +3733,866 @@
   <p:clrMapOvr>
     <a:masterClrMapping/>
   </p:clrMapOvr>
+  <p:timing>
+    <p:tnLst>
+      <p:par>
+        <p:cTn xmlns:p14="http://schemas.microsoft.com/office/powerpoint/2010/main" id="1" dur="indefinite" restart="never" nodeType="tmRoot"/>
+      </p:par>
+    </p:tnLst>
+  </p:timing>
+</p:sld>
+</file>
+
+<file path=ppt/slides/slide2.xml><?xml version="1.0" encoding="utf-8"?>
+<p:sld xmlns:a="http://schemas.openxmlformats.org/drawingml/2006/main" xmlns:r="http://schemas.openxmlformats.org/officeDocument/2006/relationships" xmlns:p="http://schemas.openxmlformats.org/presentationml/2006/main">
+  <p:cSld>
+    <p:spTree>
+      <p:nvGrpSpPr>
+        <p:cNvPr id="1" name=""/>
+        <p:cNvGrpSpPr/>
+        <p:nvPr/>
+      </p:nvGrpSpPr>
+      <p:grpSpPr>
+        <a:xfrm>
+          <a:off x="0" y="0"/>
+          <a:ext cx="0" cy="0"/>
+          <a:chOff x="0" y="0"/>
+          <a:chExt cx="0" cy="0"/>
+        </a:xfrm>
+      </p:grpSpPr>
+      <p:sp>
+        <p:nvSpPr>
+          <p:cNvPr id="5" name="TextBox 4"/>
+          <p:cNvSpPr txBox="1"/>
+          <p:nvPr/>
+        </p:nvSpPr>
+        <p:spPr>
+          <a:xfrm>
+            <a:off x="1320800" y="1955800"/>
+            <a:ext cx="6502400" cy="1107996"/>
+          </a:xfrm>
+          <a:prstGeom prst="rect">
+            <a:avLst/>
+          </a:prstGeom>
+          <a:noFill/>
+        </p:spPr>
+        <p:txBody>
+          <a:bodyPr wrap="square" rtlCol="0">
+            <a:spAutoFit/>
+          </a:bodyPr>
+          <a:lstStyle/>
+          <a:p>
+            <a:pPr algn="ctr"/>
+            <a:r>
+              <a:rPr lang="en-US" altLang="zh-CN" sz="6600" dirty="0" smtClean="0"/>
+              <a:t>For what?</a:t>
+            </a:r>
+          </a:p>
+        </p:txBody>
+      </p:sp>
+      <p:sp>
+        <p:nvSpPr>
+          <p:cNvPr id="7" name="TextBox 6"/>
+          <p:cNvSpPr txBox="1"/>
+          <p:nvPr/>
+        </p:nvSpPr>
+        <p:spPr>
+          <a:xfrm>
+            <a:off x="3987800" y="3949700"/>
+            <a:ext cx="1175510" cy="369332"/>
+          </a:xfrm>
+          <a:prstGeom prst="rect">
+            <a:avLst/>
+          </a:prstGeom>
+          <a:noFill/>
+        </p:spPr>
+        <p:txBody>
+          <a:bodyPr wrap="none" rtlCol="0">
+            <a:spAutoFit/>
+          </a:bodyPr>
+          <a:lstStyle/>
+          <a:p>
+            <a:r>
+              <a:rPr lang="en-US" dirty="0"/>
+              <a:t>creativity</a:t>
+            </a:r>
+            <a:endParaRPr lang="en-US" dirty="0"/>
+          </a:p>
+        </p:txBody>
+      </p:sp>
+    </p:spTree>
+    <p:extLst>
+      <p:ext uri="{BB962C8B-B14F-4D97-AF65-F5344CB8AC3E}">
+        <p14:creationId xmlns:p14="http://schemas.microsoft.com/office/powerpoint/2010/main" val="2816765710"/>
+      </p:ext>
+    </p:extLst>
+  </p:cSld>
+  <p:clrMapOvr>
+    <a:masterClrMapping/>
+  </p:clrMapOvr>
+</p:sld>
+</file>
+
+<file path=ppt/slides/slide3.xml><?xml version="1.0" encoding="utf-8"?>
+<p:sld xmlns:a="http://schemas.openxmlformats.org/drawingml/2006/main" xmlns:r="http://schemas.openxmlformats.org/officeDocument/2006/relationships" xmlns:p="http://schemas.openxmlformats.org/presentationml/2006/main">
+  <p:cSld>
+    <p:spTree>
+      <p:nvGrpSpPr>
+        <p:cNvPr id="1" name=""/>
+        <p:cNvGrpSpPr/>
+        <p:nvPr/>
+      </p:nvGrpSpPr>
+      <p:grpSpPr>
+        <a:xfrm>
+          <a:off x="0" y="0"/>
+          <a:ext cx="0" cy="0"/>
+          <a:chOff x="0" y="0"/>
+          <a:chExt cx="0" cy="0"/>
+        </a:xfrm>
+      </p:grpSpPr>
+      <p:sp>
+        <p:nvSpPr>
+          <p:cNvPr id="5" name="TextBox 4"/>
+          <p:cNvSpPr txBox="1"/>
+          <p:nvPr/>
+        </p:nvSpPr>
+        <p:spPr>
+          <a:xfrm>
+            <a:off x="2628900" y="352504"/>
+            <a:ext cx="3670300" cy="1107996"/>
+          </a:xfrm>
+          <a:prstGeom prst="rect">
+            <a:avLst/>
+          </a:prstGeom>
+          <a:noFill/>
+        </p:spPr>
+        <p:txBody>
+          <a:bodyPr wrap="square" rtlCol="0">
+            <a:spAutoFit/>
+          </a:bodyPr>
+          <a:lstStyle/>
+          <a:p>
+            <a:pPr algn="ctr"/>
+            <a:r>
+              <a:rPr lang="en-US" altLang="zh-CN" sz="6600" dirty="0" smtClean="0"/>
+              <a:t>Process</a:t>
+            </a:r>
+            <a:endParaRPr lang="en-US" sz="6600" dirty="0"/>
+          </a:p>
+        </p:txBody>
+      </p:sp>
+      <p:sp>
+        <p:nvSpPr>
+          <p:cNvPr id="6" name="Isosceles Triangle 5"/>
+          <p:cNvSpPr/>
+          <p:nvPr/>
+        </p:nvSpPr>
+        <p:spPr>
+          <a:xfrm>
+            <a:off x="1625600" y="2133600"/>
+            <a:ext cx="5664200" cy="3695700"/>
+          </a:xfrm>
+          <a:prstGeom prst="triangle">
+            <a:avLst/>
+          </a:prstGeom>
+        </p:spPr>
+        <p:style>
+          <a:lnRef idx="1">
+            <a:schemeClr val="accent1"/>
+          </a:lnRef>
+          <a:fillRef idx="3">
+            <a:schemeClr val="accent1"/>
+          </a:fillRef>
+          <a:effectRef idx="2">
+            <a:schemeClr val="accent1"/>
+          </a:effectRef>
+          <a:fontRef idx="minor">
+            <a:schemeClr val="lt1"/>
+          </a:fontRef>
+        </p:style>
+        <p:txBody>
+          <a:bodyPr rtlCol="0" anchor="ctr"/>
+          <a:lstStyle/>
+          <a:p>
+            <a:pPr algn="ctr"/>
+            <a:endParaRPr lang="en-US"/>
+          </a:p>
+        </p:txBody>
+      </p:sp>
+      <p:cxnSp>
+        <p:nvCxnSpPr>
+          <p:cNvPr id="8" name="Straight Connector 7"/>
+          <p:cNvCxnSpPr/>
+          <p:nvPr/>
+        </p:nvCxnSpPr>
+        <p:spPr>
+          <a:xfrm flipV="1">
+            <a:off x="2146300" y="5156200"/>
+            <a:ext cx="4622800" cy="12700"/>
+          </a:xfrm>
+          <a:prstGeom prst="line">
+            <a:avLst/>
+          </a:prstGeom>
+        </p:spPr>
+        <p:style>
+          <a:lnRef idx="2">
+            <a:schemeClr val="accent1"/>
+          </a:lnRef>
+          <a:fillRef idx="0">
+            <a:schemeClr val="accent1"/>
+          </a:fillRef>
+          <a:effectRef idx="1">
+            <a:schemeClr val="accent1"/>
+          </a:effectRef>
+          <a:fontRef idx="minor">
+            <a:schemeClr val="tx1"/>
+          </a:fontRef>
+        </p:style>
+      </p:cxnSp>
+      <p:sp>
+        <p:nvSpPr>
+          <p:cNvPr id="10" name="TextBox 9"/>
+          <p:cNvSpPr txBox="1"/>
+          <p:nvPr/>
+        </p:nvSpPr>
+        <p:spPr>
+          <a:xfrm>
+            <a:off x="2628900" y="5357336"/>
+            <a:ext cx="3810000" cy="369332"/>
+          </a:xfrm>
+          <a:prstGeom prst="rect">
+            <a:avLst/>
+          </a:prstGeom>
+          <a:noFill/>
+        </p:spPr>
+        <p:txBody>
+          <a:bodyPr wrap="square" rtlCol="0">
+            <a:spAutoFit/>
+          </a:bodyPr>
+          <a:lstStyle/>
+          <a:p>
+            <a:pPr algn="ctr"/>
+            <a:r>
+              <a:rPr lang="en-US" altLang="zh-CN" dirty="0" smtClean="0"/>
+              <a:t>Gather</a:t>
+            </a:r>
+            <a:r>
+              <a:rPr lang="zh-CN" altLang="en-US" dirty="0" smtClean="0"/>
+              <a:t> </a:t>
+            </a:r>
+            <a:r>
+              <a:rPr lang="en-US" altLang="zh-CN" dirty="0" smtClean="0"/>
+              <a:t>the</a:t>
+            </a:r>
+            <a:r>
+              <a:rPr lang="zh-CN" altLang="en-US" dirty="0" smtClean="0"/>
+              <a:t> </a:t>
+            </a:r>
+            <a:r>
+              <a:rPr lang="en-US" altLang="zh-CN" dirty="0" smtClean="0"/>
+              <a:t>participants</a:t>
+            </a:r>
+            <a:endParaRPr lang="en-US" dirty="0"/>
+          </a:p>
+        </p:txBody>
+      </p:sp>
+      <p:cxnSp>
+        <p:nvCxnSpPr>
+          <p:cNvPr id="13" name="Straight Connector 12"/>
+          <p:cNvCxnSpPr/>
+          <p:nvPr/>
+        </p:nvCxnSpPr>
+        <p:spPr>
+          <a:xfrm>
+            <a:off x="2717800" y="4406900"/>
+            <a:ext cx="3479800" cy="0"/>
+          </a:xfrm>
+          <a:prstGeom prst="line">
+            <a:avLst/>
+          </a:prstGeom>
+        </p:spPr>
+        <p:style>
+          <a:lnRef idx="2">
+            <a:schemeClr val="accent1"/>
+          </a:lnRef>
+          <a:fillRef idx="0">
+            <a:schemeClr val="accent1"/>
+          </a:fillRef>
+          <a:effectRef idx="1">
+            <a:schemeClr val="accent1"/>
+          </a:effectRef>
+          <a:fontRef idx="minor">
+            <a:schemeClr val="tx1"/>
+          </a:fontRef>
+        </p:style>
+      </p:cxnSp>
+      <p:cxnSp>
+        <p:nvCxnSpPr>
+          <p:cNvPr id="15" name="Straight Connector 14"/>
+          <p:cNvCxnSpPr/>
+          <p:nvPr/>
+        </p:nvCxnSpPr>
+        <p:spPr>
+          <a:xfrm flipV="1">
+            <a:off x="3441700" y="3467100"/>
+            <a:ext cx="2082800" cy="12700"/>
+          </a:xfrm>
+          <a:prstGeom prst="line">
+            <a:avLst/>
+          </a:prstGeom>
+        </p:spPr>
+        <p:style>
+          <a:lnRef idx="2">
+            <a:schemeClr val="accent1"/>
+          </a:lnRef>
+          <a:fillRef idx="0">
+            <a:schemeClr val="accent1"/>
+          </a:fillRef>
+          <a:effectRef idx="1">
+            <a:schemeClr val="accent1"/>
+          </a:effectRef>
+          <a:fontRef idx="minor">
+            <a:schemeClr val="tx1"/>
+          </a:fontRef>
+        </p:style>
+      </p:cxnSp>
+      <p:sp>
+        <p:nvSpPr>
+          <p:cNvPr id="16" name="TextBox 15"/>
+          <p:cNvSpPr txBox="1"/>
+          <p:nvPr/>
+        </p:nvSpPr>
+        <p:spPr>
+          <a:xfrm>
+            <a:off x="3035300" y="4539734"/>
+            <a:ext cx="3073400" cy="369332"/>
+          </a:xfrm>
+          <a:prstGeom prst="rect">
+            <a:avLst/>
+          </a:prstGeom>
+          <a:noFill/>
+        </p:spPr>
+        <p:txBody>
+          <a:bodyPr wrap="square" rtlCol="0">
+            <a:spAutoFit/>
+          </a:bodyPr>
+          <a:lstStyle/>
+          <a:p>
+            <a:pPr algn="ctr"/>
+            <a:r>
+              <a:rPr lang="en-US" dirty="0"/>
+              <a:t>Definite problem</a:t>
+            </a:r>
+          </a:p>
+        </p:txBody>
+      </p:sp>
+      <p:sp>
+        <p:nvSpPr>
+          <p:cNvPr id="19" name="TextBox 18"/>
+          <p:cNvSpPr txBox="1"/>
+          <p:nvPr/>
+        </p:nvSpPr>
+        <p:spPr>
+          <a:xfrm>
+            <a:off x="3441700" y="3733800"/>
+            <a:ext cx="2247900" cy="369332"/>
+          </a:xfrm>
+          <a:prstGeom prst="rect">
+            <a:avLst/>
+          </a:prstGeom>
+          <a:noFill/>
+        </p:spPr>
+        <p:txBody>
+          <a:bodyPr wrap="square" rtlCol="0">
+            <a:spAutoFit/>
+          </a:bodyPr>
+          <a:lstStyle/>
+          <a:p>
+            <a:r>
+              <a:rPr lang="en-US" dirty="0" smtClean="0"/>
+              <a:t>Positive</a:t>
+            </a:r>
+            <a:r>
+              <a:rPr lang="zh-CN" altLang="en-US" dirty="0" smtClean="0"/>
+              <a:t> </a:t>
+            </a:r>
+            <a:r>
+              <a:rPr lang="en-US" dirty="0" smtClean="0"/>
+              <a:t>statement</a:t>
+            </a:r>
+            <a:endParaRPr lang="en-US" dirty="0"/>
+          </a:p>
+        </p:txBody>
+      </p:sp>
+      <p:sp>
+        <p:nvSpPr>
+          <p:cNvPr id="20" name="TextBox 19"/>
+          <p:cNvSpPr txBox="1"/>
+          <p:nvPr/>
+        </p:nvSpPr>
+        <p:spPr>
+          <a:xfrm>
+            <a:off x="3924300" y="2959100"/>
+            <a:ext cx="1308100" cy="369332"/>
+          </a:xfrm>
+          <a:prstGeom prst="rect">
+            <a:avLst/>
+          </a:prstGeom>
+          <a:noFill/>
+        </p:spPr>
+        <p:txBody>
+          <a:bodyPr wrap="square" rtlCol="0">
+            <a:spAutoFit/>
+          </a:bodyPr>
+          <a:lstStyle/>
+          <a:p>
+            <a:r>
+              <a:rPr lang="en-US" dirty="0"/>
+              <a:t>S</a:t>
+            </a:r>
+            <a:r>
+              <a:rPr lang="en-US" dirty="0" smtClean="0"/>
+              <a:t>ummary</a:t>
+            </a:r>
+            <a:endParaRPr lang="en-US" dirty="0"/>
+          </a:p>
+        </p:txBody>
+      </p:sp>
+    </p:spTree>
+    <p:extLst>
+      <p:ext uri="{BB962C8B-B14F-4D97-AF65-F5344CB8AC3E}">
+        <p14:creationId xmlns:p14="http://schemas.microsoft.com/office/powerpoint/2010/main" val="2385463651"/>
+      </p:ext>
+    </p:extLst>
+  </p:cSld>
+  <p:clrMapOvr>
+    <a:masterClrMapping/>
+  </p:clrMapOvr>
+</p:sld>
+</file>
+
+<file path=ppt/slides/slide4.xml><?xml version="1.0" encoding="utf-8"?>
+<p:sld xmlns:a="http://schemas.openxmlformats.org/drawingml/2006/main" xmlns:r="http://schemas.openxmlformats.org/officeDocument/2006/relationships" xmlns:p="http://schemas.openxmlformats.org/presentationml/2006/main">
+  <p:cSld>
+    <p:spTree>
+      <p:nvGrpSpPr>
+        <p:cNvPr id="1" name=""/>
+        <p:cNvGrpSpPr/>
+        <p:nvPr/>
+      </p:nvGrpSpPr>
+      <p:grpSpPr>
+        <a:xfrm>
+          <a:off x="0" y="0"/>
+          <a:ext cx="0" cy="0"/>
+          <a:chOff x="0" y="0"/>
+          <a:chExt cx="0" cy="0"/>
+        </a:xfrm>
+      </p:grpSpPr>
+      <p:sp>
+        <p:nvSpPr>
+          <p:cNvPr id="2" name="TextBox 1"/>
+          <p:cNvSpPr txBox="1"/>
+          <p:nvPr/>
+        </p:nvSpPr>
+        <p:spPr>
+          <a:xfrm>
+            <a:off x="1066800" y="736600"/>
+            <a:ext cx="7010400" cy="1107996"/>
+          </a:xfrm>
+          <a:prstGeom prst="rect">
+            <a:avLst/>
+          </a:prstGeom>
+          <a:noFill/>
+        </p:spPr>
+        <p:txBody>
+          <a:bodyPr wrap="square" rtlCol="0">
+            <a:spAutoFit/>
+          </a:bodyPr>
+          <a:lstStyle/>
+          <a:p>
+            <a:r>
+              <a:rPr lang="en-US" sz="6600" dirty="0" smtClean="0"/>
+              <a:t>How to do better</a:t>
+            </a:r>
+            <a:endParaRPr lang="en-US" sz="6600" dirty="0"/>
+          </a:p>
+        </p:txBody>
+      </p:sp>
+      <p:sp>
+        <p:nvSpPr>
+          <p:cNvPr id="3" name="TextBox 2"/>
+          <p:cNvSpPr txBox="1"/>
+          <p:nvPr/>
+        </p:nvSpPr>
+        <p:spPr>
+          <a:xfrm>
+            <a:off x="1066800" y="2400300"/>
+            <a:ext cx="6908800" cy="1200329"/>
+          </a:xfrm>
+          <a:prstGeom prst="rect">
+            <a:avLst/>
+          </a:prstGeom>
+          <a:noFill/>
+        </p:spPr>
+        <p:txBody>
+          <a:bodyPr wrap="square" rtlCol="0">
+            <a:spAutoFit/>
+          </a:bodyPr>
+          <a:lstStyle/>
+          <a:p>
+            <a:pPr marL="285750" indent="-285750">
+              <a:buFont typeface="Arial"/>
+              <a:buChar char="•"/>
+            </a:pPr>
+            <a:r>
+              <a:rPr lang="en-US" dirty="0"/>
+              <a:t>Positive</a:t>
+            </a:r>
+            <a:r>
+              <a:rPr lang="zh-CN" altLang="en-US" dirty="0"/>
+              <a:t> </a:t>
+            </a:r>
+            <a:r>
+              <a:rPr lang="en-US" dirty="0"/>
+              <a:t>statement</a:t>
+            </a:r>
+          </a:p>
+          <a:p>
+            <a:pPr marL="285750" indent="-285750">
+              <a:buFont typeface="Arial"/>
+              <a:buChar char="•"/>
+            </a:pPr>
+            <a:r>
+              <a:rPr lang="en-US" altLang="zh-CN" dirty="0" smtClean="0"/>
+              <a:t>Make</a:t>
+            </a:r>
+            <a:r>
+              <a:rPr lang="zh-CN" altLang="en-US" dirty="0" smtClean="0"/>
+              <a:t> </a:t>
+            </a:r>
+            <a:r>
+              <a:rPr lang="en-US" altLang="zh-CN" dirty="0" smtClean="0"/>
+              <a:t>good</a:t>
+            </a:r>
+            <a:r>
+              <a:rPr lang="zh-CN" altLang="en-US" dirty="0" smtClean="0"/>
+              <a:t> </a:t>
+            </a:r>
+            <a:r>
+              <a:rPr lang="en-US" altLang="zh-CN" dirty="0" smtClean="0"/>
+              <a:t>preparations</a:t>
+            </a:r>
+          </a:p>
+          <a:p>
+            <a:pPr marL="285750" indent="-285750">
+              <a:buFont typeface="Arial"/>
+              <a:buChar char="•"/>
+            </a:pPr>
+            <a:r>
+              <a:rPr lang="en-US" altLang="zh-CN" dirty="0" smtClean="0"/>
+              <a:t>Listens</a:t>
+            </a:r>
+            <a:r>
+              <a:rPr lang="zh-CN" altLang="en-US" dirty="0" smtClean="0"/>
+              <a:t> </a:t>
+            </a:r>
+            <a:r>
+              <a:rPr lang="en-US" altLang="zh-CN" dirty="0" smtClean="0"/>
+              <a:t>respectfully</a:t>
+            </a:r>
+            <a:r>
+              <a:rPr lang="zh-CN" altLang="en-US" dirty="0" smtClean="0"/>
+              <a:t> </a:t>
+            </a:r>
+            <a:r>
+              <a:rPr lang="en-US" altLang="zh-CN" dirty="0" smtClean="0"/>
+              <a:t>earnestly</a:t>
+            </a:r>
+          </a:p>
+          <a:p>
+            <a:pPr marL="285750" indent="-285750">
+              <a:buFont typeface="Arial"/>
+              <a:buChar char="•"/>
+            </a:pPr>
+            <a:r>
+              <a:rPr lang="en-US" altLang="zh-CN" dirty="0" smtClean="0"/>
+              <a:t>Attention</a:t>
+            </a:r>
+            <a:r>
+              <a:rPr lang="zh-CN" altLang="en-US" dirty="0" smtClean="0"/>
+              <a:t> </a:t>
+            </a:r>
+            <a:r>
+              <a:rPr lang="en-US" altLang="zh-CN" dirty="0" smtClean="0"/>
+              <a:t>time</a:t>
+            </a:r>
+          </a:p>
+        </p:txBody>
+      </p:sp>
+    </p:spTree>
+    <p:extLst>
+      <p:ext uri="{BB962C8B-B14F-4D97-AF65-F5344CB8AC3E}">
+        <p14:creationId xmlns:p14="http://schemas.microsoft.com/office/powerpoint/2010/main" val="1821001286"/>
+      </p:ext>
+    </p:extLst>
+  </p:cSld>
+  <p:clrMapOvr>
+    <a:masterClrMapping/>
+  </p:clrMapOvr>
+</p:sld>
+</file>
+
+<file path=ppt/slides/slide5.xml><?xml version="1.0" encoding="utf-8"?>
+<p:sld xmlns:a="http://schemas.openxmlformats.org/drawingml/2006/main" xmlns:r="http://schemas.openxmlformats.org/officeDocument/2006/relationships" xmlns:p="http://schemas.openxmlformats.org/presentationml/2006/main">
+  <p:cSld>
+    <p:spTree>
+      <p:nvGrpSpPr>
+        <p:cNvPr id="1" name=""/>
+        <p:cNvGrpSpPr/>
+        <p:nvPr/>
+      </p:nvGrpSpPr>
+      <p:grpSpPr>
+        <a:xfrm>
+          <a:off x="0" y="0"/>
+          <a:ext cx="0" cy="0"/>
+          <a:chOff x="0" y="0"/>
+          <a:chExt cx="0" cy="0"/>
+        </a:xfrm>
+      </p:grpSpPr>
+      <p:sp>
+        <p:nvSpPr>
+          <p:cNvPr id="3" name="TextBox 2"/>
+          <p:cNvSpPr txBox="1"/>
+          <p:nvPr/>
+        </p:nvSpPr>
+        <p:spPr>
+          <a:xfrm>
+            <a:off x="965200" y="792202"/>
+            <a:ext cx="7213600" cy="1107996"/>
+          </a:xfrm>
+          <a:prstGeom prst="rect">
+            <a:avLst/>
+          </a:prstGeom>
+          <a:noFill/>
+        </p:spPr>
+        <p:txBody>
+          <a:bodyPr wrap="square" rtlCol="0">
+            <a:spAutoFit/>
+          </a:bodyPr>
+          <a:lstStyle/>
+          <a:p>
+            <a:pPr algn="ctr"/>
+            <a:r>
+              <a:rPr lang="en-US" altLang="zh-CN" sz="6600" dirty="0" smtClean="0"/>
+              <a:t>Wrong</a:t>
+            </a:r>
+            <a:r>
+              <a:rPr lang="zh-CN" altLang="en-US" sz="6600" dirty="0" smtClean="0"/>
+              <a:t> </a:t>
+            </a:r>
+            <a:r>
+              <a:rPr lang="en-US" altLang="zh-CN" sz="6600" dirty="0" smtClean="0"/>
+              <a:t>behavior</a:t>
+            </a:r>
+            <a:endParaRPr lang="en-US" sz="6600" dirty="0"/>
+          </a:p>
+        </p:txBody>
+      </p:sp>
+      <p:pic>
+        <p:nvPicPr>
+          <p:cNvPr id="5" name="Picture 4" descr="winetour2009102472888561.jpg"/>
+          <p:cNvPicPr>
+            <a:picLocks noChangeAspect="1"/>
+          </p:cNvPicPr>
+          <p:nvPr/>
+        </p:nvPicPr>
+        <p:blipFill>
+          <a:blip r:embed="rId2">
+            <a:extLst>
+              <a:ext uri="{28A0092B-C50C-407E-A947-70E740481C1C}">
+                <a14:useLocalDpi xmlns:a14="http://schemas.microsoft.com/office/drawing/2010/main" val="0"/>
+              </a:ext>
+            </a:extLst>
+          </a:blip>
+          <a:stretch>
+            <a:fillRect/>
+          </a:stretch>
+        </p:blipFill>
+        <p:spPr>
+          <a:xfrm>
+            <a:off x="279400" y="2921000"/>
+            <a:ext cx="3048000" cy="2171700"/>
+          </a:xfrm>
+          <a:prstGeom prst="rect">
+            <a:avLst/>
+          </a:prstGeom>
+        </p:spPr>
+      </p:pic>
+      <p:pic>
+        <p:nvPicPr>
+          <p:cNvPr id="6" name="Picture 5" descr="146725516.jpg"/>
+          <p:cNvPicPr>
+            <a:picLocks noChangeAspect="1"/>
+          </p:cNvPicPr>
+          <p:nvPr/>
+        </p:nvPicPr>
+        <p:blipFill>
+          <a:blip r:embed="rId3">
+            <a:extLst>
+              <a:ext uri="{28A0092B-C50C-407E-A947-70E740481C1C}">
+                <a14:useLocalDpi xmlns:a14="http://schemas.microsoft.com/office/drawing/2010/main" val="0"/>
+              </a:ext>
+            </a:extLst>
+          </a:blip>
+          <a:stretch>
+            <a:fillRect/>
+          </a:stretch>
+        </p:blipFill>
+        <p:spPr>
+          <a:xfrm>
+            <a:off x="3454400" y="2083815"/>
+            <a:ext cx="2197100" cy="1786975"/>
+          </a:xfrm>
+          <a:prstGeom prst="rect">
+            <a:avLst/>
+          </a:prstGeom>
+        </p:spPr>
+      </p:pic>
+      <p:pic>
+        <p:nvPicPr>
+          <p:cNvPr id="7" name="Picture 6" descr="201204061956303623.jpg"/>
+          <p:cNvPicPr>
+            <a:picLocks noChangeAspect="1"/>
+          </p:cNvPicPr>
+          <p:nvPr/>
+        </p:nvPicPr>
+        <p:blipFill>
+          <a:blip r:embed="rId4">
+            <a:extLst>
+              <a:ext uri="{28A0092B-C50C-407E-A947-70E740481C1C}">
+                <a14:useLocalDpi xmlns:a14="http://schemas.microsoft.com/office/drawing/2010/main" val="0"/>
+              </a:ext>
+            </a:extLst>
+          </a:blip>
+          <a:stretch>
+            <a:fillRect/>
+          </a:stretch>
+        </p:blipFill>
+        <p:spPr>
+          <a:xfrm>
+            <a:off x="5854700" y="3022600"/>
+            <a:ext cx="3111500" cy="2540000"/>
+          </a:xfrm>
+          <a:prstGeom prst="rect">
+            <a:avLst/>
+          </a:prstGeom>
+        </p:spPr>
+      </p:pic>
+      <p:sp>
+        <p:nvSpPr>
+          <p:cNvPr id="8" name="TextBox 7"/>
+          <p:cNvSpPr txBox="1"/>
+          <p:nvPr/>
+        </p:nvSpPr>
+        <p:spPr>
+          <a:xfrm>
+            <a:off x="647700" y="5257800"/>
+            <a:ext cx="2006600" cy="369332"/>
+          </a:xfrm>
+          <a:prstGeom prst="rect">
+            <a:avLst/>
+          </a:prstGeom>
+          <a:noFill/>
+        </p:spPr>
+        <p:txBody>
+          <a:bodyPr wrap="square" rtlCol="0">
+            <a:spAutoFit/>
+          </a:bodyPr>
+          <a:lstStyle/>
+          <a:p>
+            <a:pPr algn="ctr"/>
+            <a:r>
+              <a:rPr lang="en-US" dirty="0"/>
+              <a:t>Criticize</a:t>
+            </a:r>
+          </a:p>
+        </p:txBody>
+      </p:sp>
+      <p:sp>
+        <p:nvSpPr>
+          <p:cNvPr id="9" name="TextBox 8"/>
+          <p:cNvSpPr txBox="1"/>
+          <p:nvPr/>
+        </p:nvSpPr>
+        <p:spPr>
+          <a:xfrm>
+            <a:off x="4000500" y="3870790"/>
+            <a:ext cx="1104900" cy="369332"/>
+          </a:xfrm>
+          <a:prstGeom prst="rect">
+            <a:avLst/>
+          </a:prstGeom>
+          <a:noFill/>
+        </p:spPr>
+        <p:txBody>
+          <a:bodyPr wrap="square" rtlCol="0">
+            <a:spAutoFit/>
+          </a:bodyPr>
+          <a:lstStyle/>
+          <a:p>
+            <a:r>
+              <a:rPr lang="en-US" dirty="0"/>
+              <a:t>Silence</a:t>
+            </a:r>
+          </a:p>
+        </p:txBody>
+      </p:sp>
+      <p:sp>
+        <p:nvSpPr>
+          <p:cNvPr id="10" name="TextBox 9"/>
+          <p:cNvSpPr txBox="1"/>
+          <p:nvPr/>
+        </p:nvSpPr>
+        <p:spPr>
+          <a:xfrm>
+            <a:off x="6718300" y="5627132"/>
+            <a:ext cx="1638300" cy="369332"/>
+          </a:xfrm>
+          <a:prstGeom prst="rect">
+            <a:avLst/>
+          </a:prstGeom>
+          <a:noFill/>
+        </p:spPr>
+        <p:txBody>
+          <a:bodyPr wrap="square" rtlCol="0">
+            <a:spAutoFit/>
+          </a:bodyPr>
+          <a:lstStyle/>
+          <a:p>
+            <a:r>
+              <a:rPr lang="en-US" dirty="0"/>
+              <a:t>Compliment</a:t>
+            </a:r>
+          </a:p>
+        </p:txBody>
+      </p:sp>
+    </p:spTree>
+    <p:extLst>
+      <p:ext uri="{BB962C8B-B14F-4D97-AF65-F5344CB8AC3E}">
+        <p14:creationId xmlns:p14="http://schemas.microsoft.com/office/powerpoint/2010/main" val="2552308400"/>
+      </p:ext>
+    </p:extLst>
+  </p:cSld>
+  <p:clrMapOvr>
+    <a:masterClrMapping/>
+  </p:clrMapOvr>
 </p:sld>
 </file>
 
 <file path=ppt/theme/theme1.xml><?xml version="1.0" encoding="utf-8"?>
-<a:theme xmlns:a="http://schemas.openxmlformats.org/drawingml/2006/main" name="Office Theme">
+<a:theme xmlns:a="http://schemas.openxmlformats.org/drawingml/2006/main" name="Breeze">
   <a:themeElements>
-    <a:clrScheme name="Office">
+    <a:clrScheme name="Breeze">
       <a:dk1>
         <a:sysClr val="windowText" lastClr="000000"/>
       </a:dk1>
@@ -3157,158 +4600,107 @@
         <a:sysClr val="window" lastClr="FFFFFF"/>
       </a:lt1>
       <a:dk2>
-        <a:srgbClr val="1F497D"/>
+        <a:srgbClr val="09213B"/>
       </a:dk2>
       <a:lt2>
-        <a:srgbClr val="EEECE1"/>
+        <a:srgbClr val="D5EDF4"/>
       </a:lt2>
       <a:accent1>
-        <a:srgbClr val="4F81BD"/>
+        <a:srgbClr val="2C7C9F"/>
       </a:accent1>
       <a:accent2>
-        <a:srgbClr val="C0504D"/>
+        <a:srgbClr val="244A58"/>
       </a:accent2>
       <a:accent3>
-        <a:srgbClr val="9BBB59"/>
+        <a:srgbClr val="E2751D"/>
       </a:accent3>
       <a:accent4>
-        <a:srgbClr val="8064A2"/>
+        <a:srgbClr val="FFB400"/>
       </a:accent4>
       <a:accent5>
-        <a:srgbClr val="4BACC6"/>
+        <a:srgbClr val="7EB606"/>
       </a:accent5>
       <a:accent6>
-        <a:srgbClr val="F79646"/>
+        <a:srgbClr val="C00000"/>
       </a:accent6>
       <a:hlink>
-        <a:srgbClr val="0000FF"/>
+        <a:srgbClr val="7030A0"/>
       </a:hlink>
       <a:folHlink>
-        <a:srgbClr val="800080"/>
+        <a:srgbClr val="00B0F0"/>
       </a:folHlink>
     </a:clrScheme>
-    <a:fontScheme name="Office">
+    <a:fontScheme name="Breeze">
       <a:majorFont>
-        <a:latin typeface="Calibri"/>
+        <a:latin typeface="News Gothic MT"/>
         <a:ea typeface=""/>
         <a:cs typeface=""/>
         <a:font script="Jpan" typeface="ＭＳ Ｐゴシック"/>
-        <a:font script="Hang" typeface="맑은 고딕"/>
         <a:font script="Hans" typeface="宋体"/>
         <a:font script="Hant" typeface="新細明體"/>
-        <a:font script="Arab" typeface="Times New Roman"/>
-        <a:font script="Hebr" typeface="Times New Roman"/>
-        <a:font script="Thai" typeface="Angsana New"/>
-        <a:font script="Ethi" typeface="Nyala"/>
-        <a:font script="Beng" typeface="Vrinda"/>
-        <a:font script="Gujr" typeface="Shruti"/>
-        <a:font script="Khmr" typeface="MoolBoran"/>
-        <a:font script="Knda" typeface="Tunga"/>
-        <a:font script="Guru" typeface="Raavi"/>
-        <a:font script="Cans" typeface="Euphemia"/>
-        <a:font script="Cher" typeface="Plantagenet Cherokee"/>
-        <a:font script="Yiii" typeface="Microsoft Yi Baiti"/>
-        <a:font script="Tibt" typeface="Microsoft Himalaya"/>
-        <a:font script="Thaa" typeface="MV Boli"/>
-        <a:font script="Deva" typeface="Mangal"/>
-        <a:font script="Telu" typeface="Gautami"/>
-        <a:font script="Taml" typeface="Latha"/>
-        <a:font script="Syrc" typeface="Estrangelo Edessa"/>
-        <a:font script="Orya" typeface="Kalinga"/>
-        <a:font script="Mlym" typeface="Kartika"/>
-        <a:font script="Laoo" typeface="DokChampa"/>
-        <a:font script="Sinh" typeface="Iskoola Pota"/>
-        <a:font script="Mong" typeface="Mongolian Baiti"/>
-        <a:font script="Viet" typeface="Times New Roman"/>
-        <a:font script="Uigh" typeface="Microsoft Uighur"/>
-        <a:font script="Geor" typeface="Sylfaen"/>
       </a:majorFont>
       <a:minorFont>
-        <a:latin typeface="Calibri"/>
+        <a:latin typeface="News Gothic MT"/>
         <a:ea typeface=""/>
         <a:cs typeface=""/>
         <a:font script="Jpan" typeface="ＭＳ Ｐゴシック"/>
-        <a:font script="Hang" typeface="맑은 고딕"/>
         <a:font script="Hans" typeface="宋体"/>
         <a:font script="Hant" typeface="新細明體"/>
-        <a:font script="Arab" typeface="Arial"/>
-        <a:font script="Hebr" typeface="Arial"/>
-        <a:font script="Thai" typeface="Cordia New"/>
-        <a:font script="Ethi" typeface="Nyala"/>
-        <a:font script="Beng" typeface="Vrinda"/>
-        <a:font script="Gujr" typeface="Shruti"/>
-        <a:font script="Khmr" typeface="DaunPenh"/>
-        <a:font script="Knda" typeface="Tunga"/>
-        <a:font script="Guru" typeface="Raavi"/>
-        <a:font script="Cans" typeface="Euphemia"/>
-        <a:font script="Cher" typeface="Plantagenet Cherokee"/>
-        <a:font script="Yiii" typeface="Microsoft Yi Baiti"/>
-        <a:font script="Tibt" typeface="Microsoft Himalaya"/>
-        <a:font script="Thaa" typeface="MV Boli"/>
-        <a:font script="Deva" typeface="Mangal"/>
-        <a:font script="Telu" typeface="Gautami"/>
-        <a:font script="Taml" typeface="Latha"/>
-        <a:font script="Syrc" typeface="Estrangelo Edessa"/>
-        <a:font script="Orya" typeface="Kalinga"/>
-        <a:font script="Mlym" typeface="Kartika"/>
-        <a:font script="Laoo" typeface="DokChampa"/>
-        <a:font script="Sinh" typeface="Iskoola Pota"/>
-        <a:font script="Mong" typeface="Mongolian Baiti"/>
-        <a:font script="Viet" typeface="Arial"/>
-        <a:font script="Uigh" typeface="Microsoft Uighur"/>
-        <a:font script="Geor" typeface="Sylfaen"/>
       </a:minorFont>
     </a:fontScheme>
-    <a:fmtScheme name="Office">
+    <a:fmtScheme name="Breeze">
       <a:fillStyleLst>
         <a:solidFill>
           <a:schemeClr val="phClr"/>
         </a:solidFill>
         <a:gradFill rotWithShape="1">
           <a:gsLst>
-            <a:gs pos="0">
+            <a:gs pos="31000">
               <a:schemeClr val="phClr">
-                <a:tint val="50000"/>
-                <a:satMod val="300000"/>
-              </a:schemeClr>
-            </a:gs>
-            <a:gs pos="35000">
-              <a:schemeClr val="phClr">
-                <a:tint val="37000"/>
-                <a:satMod val="300000"/>
+                <a:tint val="100000"/>
+                <a:shade val="100000"/>
+                <a:satMod val="120000"/>
               </a:schemeClr>
             </a:gs>
             <a:gs pos="100000">
               <a:schemeClr val="phClr">
-                <a:tint val="15000"/>
-                <a:satMod val="350000"/>
+                <a:tint val="50000"/>
+                <a:satMod val="150000"/>
               </a:schemeClr>
             </a:gs>
           </a:gsLst>
-          <a:lin ang="16200000" scaled="1"/>
+          <a:lin ang="5400000" scaled="1"/>
         </a:gradFill>
         <a:gradFill rotWithShape="1">
           <a:gsLst>
             <a:gs pos="0">
               <a:schemeClr val="phClr">
-                <a:tint val="100000"/>
                 <a:shade val="100000"/>
-                <a:satMod val="130000"/>
+                <a:satMod val="120000"/>
+              </a:schemeClr>
+            </a:gs>
+            <a:gs pos="69000">
+              <a:schemeClr val="phClr">
+                <a:tint val="80000"/>
+                <a:shade val="100000"/>
+                <a:satMod val="150000"/>
               </a:schemeClr>
             </a:gs>
             <a:gs pos="100000">
               <a:schemeClr val="phClr">
                 <a:tint val="50000"/>
                 <a:shade val="100000"/>
-                <a:satMod val="350000"/>
+                <a:satMod val="150000"/>
               </a:schemeClr>
             </a:gs>
           </a:gsLst>
-          <a:lin ang="16200000" scaled="0"/>
+          <a:path path="circle">
+            <a:fillToRect l="100000" t="100000" r="100000" b="100000"/>
+          </a:path>
         </a:gradFill>
       </a:fillStyleLst>
       <a:lnStyleLst>
-        <a:ln w="9525" cap="flat" cmpd="sng" algn="ctr">
+        <a:ln w="12700" cap="flat" cmpd="sng" algn="ctr">
           <a:solidFill>
             <a:schemeClr val="phClr">
               <a:shade val="95000"/>
@@ -3317,13 +4709,13 @@
           </a:solidFill>
           <a:prstDash val="solid"/>
         </a:ln>
-        <a:ln w="25400" cap="flat" cmpd="sng" algn="ctr">
+        <a:ln w="25400" cap="flat" cmpd="dbl" algn="ctr">
           <a:solidFill>
             <a:schemeClr val="phClr"/>
           </a:solidFill>
           <a:prstDash val="solid"/>
         </a:ln>
-        <a:ln w="38100" cap="flat" cmpd="sng" algn="ctr">
+        <a:ln w="31750" cap="flat" cmpd="dbl" algn="ctr">
           <a:solidFill>
             <a:schemeClr val="phClr"/>
           </a:solidFill>
@@ -3332,41 +4724,38 @@
       </a:lnStyleLst>
       <a:effectStyleLst>
         <a:effectStyle>
+          <a:effectLst/>
+        </a:effectStyle>
+        <a:effectStyle>
           <a:effectLst>
-            <a:outerShdw blurRad="40000" dist="20000" dir="5400000" rotWithShape="0">
+            <a:outerShdw blurRad="63500" dist="25400" dir="5400000" sx="101000" sy="101000" rotWithShape="0">
               <a:srgbClr val="000000">
-                <a:alpha val="38000"/>
+                <a:alpha val="40000"/>
               </a:srgbClr>
             </a:outerShdw>
           </a:effectLst>
         </a:effectStyle>
         <a:effectStyle>
           <a:effectLst>
-            <a:outerShdw blurRad="40000" dist="23000" dir="5400000" rotWithShape="0">
-              <a:srgbClr val="000000">
-                <a:alpha val="35000"/>
+            <a:innerShdw blurRad="127000" dist="25400" dir="13500000">
+              <a:srgbClr val="C0C0C0">
+                <a:alpha val="75000"/>
               </a:srgbClr>
-            </a:outerShdw>
-          </a:effectLst>
-        </a:effectStyle>
-        <a:effectStyle>
-          <a:effectLst>
-            <a:outerShdw blurRad="40000" dist="23000" dir="5400000" rotWithShape="0">
-              <a:srgbClr val="000000">
-                <a:alpha val="35000"/>
+            </a:innerShdw>
+            <a:outerShdw blurRad="88900" dist="25400" dir="5400000" sx="102000" sy="102000" algn="ctr" rotWithShape="0">
+              <a:srgbClr val="C0C0C0">
+                <a:alpha val="40000"/>
               </a:srgbClr>
             </a:outerShdw>
           </a:effectLst>
           <a:scene3d>
-            <a:camera prst="orthographicFront">
-              <a:rot lat="0" lon="0" rev="0"/>
-            </a:camera>
-            <a:lightRig rig="threePt" dir="t">
-              <a:rot lat="0" lon="0" rev="1200000"/>
+            <a:camera prst="perspectiveLeft" fov="300000"/>
+            <a:lightRig rig="soft" dir="l">
+              <a:rot lat="0" lon="0" rev="4200000"/>
             </a:lightRig>
           </a:scene3d>
-          <a:sp3d>
-            <a:bevelT w="63500" h="25400"/>
+          <a:sp3d extrusionH="38100" prstMaterial="powder">
+            <a:bevelT w="50800" h="88900" prst="convex"/>
           </a:sp3d>
         </a:effectStyle>
       </a:effectStyleLst>
@@ -3400,33 +4789,33 @@
             <a:fillToRect l="50000" t="-80000" r="50000" b="180000"/>
           </a:path>
         </a:gradFill>
-        <a:gradFill rotWithShape="1">
-          <a:gsLst>
-            <a:gs pos="0">
+        <a:blipFill rotWithShape="1">
+          <a:blip xmlns:r="http://schemas.openxmlformats.org/officeDocument/2006/relationships" r:embed="rId1">
+            <a:duotone>
               <a:schemeClr val="phClr">
-                <a:tint val="80000"/>
-                <a:satMod val="300000"/>
+                <a:shade val="40000"/>
+                <a:satMod val="400000"/>
               </a:schemeClr>
-            </a:gs>
-            <a:gs pos="100000">
               <a:schemeClr val="phClr">
-                <a:shade val="30000"/>
+                <a:tint val="10000"/>
                 <a:satMod val="200000"/>
               </a:schemeClr>
-            </a:gs>
-          </a:gsLst>
-          <a:path path="circle">
-            <a:fillToRect l="50000" t="50000" r="50000" b="50000"/>
-          </a:path>
-        </a:gradFill>
+            </a:duotone>
+          </a:blip>
+          <a:stretch/>
+        </a:blipFill>
       </a:bgFillStyleLst>
     </a:fmtScheme>
   </a:themeElements>
   <a:objectDefaults>
     <a:spDef>
       <a:spPr/>
-      <a:bodyPr/>
-      <a:lstStyle/>
+      <a:bodyPr rtlCol="0" anchor="ctr"/>
+      <a:lstStyle>
+        <a:defPPr algn="ctr">
+          <a:defRPr/>
+        </a:defPPr>
+      </a:lstStyle>
       <a:style>
         <a:lnRef idx="1">
           <a:schemeClr val="accent1"/>

--- a/Members/Eric/Brain-Storming.pptx
+++ b/Members/Eric/Brain-Storming.pptx
@@ -394,7 +394,7 @@
           <a:p>
             <a:fld id="{4D0C06BE-62F5-1940-98AE-4F5558D7FFFD}" type="datetimeFigureOut">
               <a:rPr lang="en-US" smtClean="0"/>
-              <a:t>5/14/14</a:t>
+              <a:t>5/20/14</a:t>
             </a:fld>
             <a:endParaRPr lang="en-US"/>
           </a:p>
@@ -587,7 +587,7 @@
           <a:p>
             <a:fld id="{4D0C06BE-62F5-1940-98AE-4F5558D7FFFD}" type="datetimeFigureOut">
               <a:rPr lang="en-US" smtClean="0"/>
-              <a:t>5/14/14</a:t>
+              <a:t>5/20/14</a:t>
             </a:fld>
             <a:endParaRPr lang="en-US"/>
           </a:p>
@@ -856,7 +856,7 @@
           <a:p>
             <a:fld id="{4D0C06BE-62F5-1940-98AE-4F5558D7FFFD}" type="datetimeFigureOut">
               <a:rPr lang="en-US" smtClean="0"/>
-              <a:t>5/14/14</a:t>
+              <a:t>5/20/14</a:t>
             </a:fld>
             <a:endParaRPr lang="en-US"/>
           </a:p>
@@ -1035,7 +1035,7 @@
           <a:p>
             <a:fld id="{4D0C06BE-62F5-1940-98AE-4F5558D7FFFD}" type="datetimeFigureOut">
               <a:rPr lang="en-US" smtClean="0"/>
-              <a:t>5/14/14</a:t>
+              <a:t>5/20/14</a:t>
             </a:fld>
             <a:endParaRPr lang="en-US"/>
           </a:p>
@@ -1204,7 +1204,7 @@
           <a:p>
             <a:fld id="{4D0C06BE-62F5-1940-98AE-4F5558D7FFFD}" type="datetimeFigureOut">
               <a:rPr lang="en-US" smtClean="0"/>
-              <a:t>5/14/14</a:t>
+              <a:t>5/20/14</a:t>
             </a:fld>
             <a:endParaRPr lang="en-US"/>
           </a:p>
@@ -1446,7 +1446,7 @@
           <a:p>
             <a:fld id="{4D0C06BE-62F5-1940-98AE-4F5558D7FFFD}" type="datetimeFigureOut">
               <a:rPr lang="en-US" smtClean="0"/>
-              <a:t>5/14/14</a:t>
+              <a:t>5/20/14</a:t>
             </a:fld>
             <a:endParaRPr lang="en-US"/>
           </a:p>
@@ -1769,7 +1769,7 @@
           <a:p>
             <a:fld id="{4D0C06BE-62F5-1940-98AE-4F5558D7FFFD}" type="datetimeFigureOut">
               <a:rPr lang="en-US" smtClean="0"/>
-              <a:t>5/14/14</a:t>
+              <a:t>5/20/14</a:t>
             </a:fld>
             <a:endParaRPr lang="en-US"/>
           </a:p>
@@ -2067,7 +2067,7 @@
           <a:p>
             <a:fld id="{4D0C06BE-62F5-1940-98AE-4F5558D7FFFD}" type="datetimeFigureOut">
               <a:rPr lang="en-US" smtClean="0"/>
-              <a:t>5/14/14</a:t>
+              <a:t>5/20/14</a:t>
             </a:fld>
             <a:endParaRPr lang="en-US"/>
           </a:p>
@@ -2523,7 +2523,7 @@
           <a:p>
             <a:fld id="{4D0C06BE-62F5-1940-98AE-4F5558D7FFFD}" type="datetimeFigureOut">
               <a:rPr lang="en-US" smtClean="0"/>
-              <a:t>5/14/14</a:t>
+              <a:t>5/20/14</a:t>
             </a:fld>
             <a:endParaRPr lang="en-US"/>
           </a:p>
@@ -2636,7 +2636,7 @@
           <a:p>
             <a:fld id="{4D0C06BE-62F5-1940-98AE-4F5558D7FFFD}" type="datetimeFigureOut">
               <a:rPr lang="en-US" smtClean="0"/>
-              <a:t>5/14/14</a:t>
+              <a:t>5/20/14</a:t>
             </a:fld>
             <a:endParaRPr lang="en-US"/>
           </a:p>
@@ -2726,7 +2726,7 @@
           <a:p>
             <a:fld id="{4D0C06BE-62F5-1940-98AE-4F5558D7FFFD}" type="datetimeFigureOut">
               <a:rPr lang="en-US" smtClean="0"/>
-              <a:t>5/14/14</a:t>
+              <a:t>5/20/14</a:t>
             </a:fld>
             <a:endParaRPr lang="en-US"/>
           </a:p>
@@ -3008,7 +3008,7 @@
           <a:p>
             <a:fld id="{4D0C06BE-62F5-1940-98AE-4F5558D7FFFD}" type="datetimeFigureOut">
               <a:rPr lang="en-US" smtClean="0"/>
-              <a:t>5/14/14</a:t>
+              <a:t>5/20/14</a:t>
             </a:fld>
             <a:endParaRPr lang="en-US"/>
           </a:p>
@@ -3214,7 +3214,7 @@
           <a:p>
             <a:fld id="{4D0C06BE-62F5-1940-98AE-4F5558D7FFFD}" type="datetimeFigureOut">
               <a:rPr lang="en-US" smtClean="0"/>
-              <a:t>5/14/14</a:t>
+              <a:t>5/20/14</a:t>
             </a:fld>
             <a:endParaRPr lang="en-US"/>
           </a:p>
@@ -3768,7 +3768,7 @@
         </p:nvSpPr>
         <p:spPr>
           <a:xfrm>
-            <a:off x="1320800" y="1955800"/>
+            <a:off x="1320800" y="571500"/>
             <a:ext cx="6502400" cy="1107996"/>
           </a:xfrm>
           <a:prstGeom prst="rect">
@@ -3798,7 +3798,7 @@
         </p:nvSpPr>
         <p:spPr>
           <a:xfrm>
-            <a:off x="3987800" y="3949700"/>
+            <a:off x="3759200" y="2070100"/>
             <a:ext cx="1175510" cy="369332"/>
           </a:xfrm>
           <a:prstGeom prst="rect">
@@ -3816,10 +3816,39 @@
               <a:rPr lang="en-US" dirty="0"/>
               <a:t>creativity</a:t>
             </a:r>
-            <a:endParaRPr lang="en-US" dirty="0"/>
-          </a:p>
-        </p:txBody>
-      </p:sp>
+          </a:p>
+        </p:txBody>
+      </p:sp>
+      <p:pic>
+        <p:nvPicPr>
+          <p:cNvPr id="2" name="Picture 1" descr="Img374566671.jpg"/>
+          <p:cNvPicPr>
+            <a:picLocks noChangeAspect="1"/>
+          </p:cNvPicPr>
+          <p:nvPr/>
+        </p:nvPicPr>
+        <p:blipFill>
+          <a:blip r:embed="rId2">
+            <a:extLst>
+              <a:ext uri="{28A0092B-C50C-407E-A947-70E740481C1C}">
+                <a14:useLocalDpi xmlns:a14="http://schemas.microsoft.com/office/drawing/2010/main" val="0"/>
+              </a:ext>
+            </a:extLst>
+          </a:blip>
+          <a:stretch>
+            <a:fillRect/>
+          </a:stretch>
+        </p:blipFill>
+        <p:spPr>
+          <a:xfrm>
+            <a:off x="698500" y="2844800"/>
+            <a:ext cx="7632700" cy="3562350"/>
+          </a:xfrm>
+          <a:prstGeom prst="rect">
+            <a:avLst/>
+          </a:prstGeom>
+        </p:spPr>
+      </p:pic>
     </p:spTree>
     <p:extLst>
       <p:ext uri="{BB962C8B-B14F-4D97-AF65-F5344CB8AC3E}">
@@ -4329,6 +4358,96 @@
           </a:p>
         </p:txBody>
       </p:sp>
+      <p:pic>
+        <p:nvPicPr>
+          <p:cNvPr id="4" name="Picture 3" descr="10278669_235201361381_2.jpg"/>
+          <p:cNvPicPr>
+            <a:picLocks noChangeAspect="1"/>
+          </p:cNvPicPr>
+          <p:nvPr/>
+        </p:nvPicPr>
+        <p:blipFill>
+          <a:blip r:embed="rId2">
+            <a:extLst>
+              <a:ext uri="{28A0092B-C50C-407E-A947-70E740481C1C}">
+                <a14:useLocalDpi xmlns:a14="http://schemas.microsoft.com/office/drawing/2010/main" val="0"/>
+              </a:ext>
+            </a:extLst>
+          </a:blip>
+          <a:stretch>
+            <a:fillRect/>
+          </a:stretch>
+        </p:blipFill>
+        <p:spPr>
+          <a:xfrm>
+            <a:off x="673101" y="3797300"/>
+            <a:ext cx="2032000" cy="2730500"/>
+          </a:xfrm>
+          <a:prstGeom prst="rect">
+            <a:avLst/>
+          </a:prstGeom>
+        </p:spPr>
+      </p:pic>
+      <p:pic>
+        <p:nvPicPr>
+          <p:cNvPr id="5" name="Picture 4" descr="zh7otv7z.jpg"/>
+          <p:cNvPicPr>
+            <a:picLocks noChangeAspect="1"/>
+          </p:cNvPicPr>
+          <p:nvPr/>
+        </p:nvPicPr>
+        <p:blipFill>
+          <a:blip r:embed="rId3">
+            <a:extLst>
+              <a:ext uri="{28A0092B-C50C-407E-A947-70E740481C1C}">
+                <a14:useLocalDpi xmlns:a14="http://schemas.microsoft.com/office/drawing/2010/main" val="0"/>
+              </a:ext>
+            </a:extLst>
+          </a:blip>
+          <a:stretch>
+            <a:fillRect/>
+          </a:stretch>
+        </p:blipFill>
+        <p:spPr>
+          <a:xfrm>
+            <a:off x="3327400" y="3797300"/>
+            <a:ext cx="2247900" cy="2730500"/>
+          </a:xfrm>
+          <a:prstGeom prst="rect">
+            <a:avLst/>
+          </a:prstGeom>
+        </p:spPr>
+      </p:pic>
+      <p:pic>
+        <p:nvPicPr>
+          <p:cNvPr id="6" name="Picture 5" descr="15151926dbua19zyl51rcv.jpg"/>
+          <p:cNvPicPr>
+            <a:picLocks noChangeAspect="1"/>
+          </p:cNvPicPr>
+          <p:nvPr/>
+        </p:nvPicPr>
+        <p:blipFill>
+          <a:blip r:embed="rId4">
+            <a:extLst>
+              <a:ext uri="{28A0092B-C50C-407E-A947-70E740481C1C}">
+                <a14:useLocalDpi xmlns:a14="http://schemas.microsoft.com/office/drawing/2010/main" val="0"/>
+              </a:ext>
+            </a:extLst>
+          </a:blip>
+          <a:stretch>
+            <a:fillRect/>
+          </a:stretch>
+        </p:blipFill>
+        <p:spPr>
+          <a:xfrm>
+            <a:off x="5969000" y="3600629"/>
+            <a:ext cx="2476500" cy="2927172"/>
+          </a:xfrm>
+          <a:prstGeom prst="rect">
+            <a:avLst/>
+          </a:prstGeom>
+        </p:spPr>
+      </p:pic>
     </p:spTree>
     <p:extLst>
       <p:ext uri="{BB962C8B-B14F-4D97-AF65-F5344CB8AC3E}">
